--- a/documentation/screens_transitions.pptx
+++ b/documentation/screens_transitions.pptx
@@ -10,10 +10,11 @@
     <p:sldId id="259" r:id="rId4"/>
     <p:sldId id="262" r:id="rId5"/>
     <p:sldId id="263" r:id="rId6"/>
-    <p:sldId id="264" r:id="rId7"/>
-    <p:sldId id="265" r:id="rId8"/>
-    <p:sldId id="261" r:id="rId9"/>
+    <p:sldId id="268" r:id="rId7"/>
+    <p:sldId id="264" r:id="rId8"/>
+    <p:sldId id="265" r:id="rId9"/>
     <p:sldId id="267" r:id="rId10"/>
+    <p:sldId id="261" r:id="rId11"/>
   </p:sldIdLst>
   <p:sldSz cx="12192000" cy="6858000"/>
   <p:notesSz cx="6858000" cy="9144000"/>
@@ -115,12 +116,12 @@
   <p:extLst>
     <p:ext uri="{EFAFB233-063F-42B5-8137-9DF3F51BA10A}">
       <p15:sldGuideLst xmlns:p15="http://schemas.microsoft.com/office/powerpoint/2012/main">
-        <p15:guide id="1" orient="horz" pos="744" userDrawn="1">
+        <p15:guide id="1" orient="horz" pos="96" userDrawn="1">
           <p15:clr>
             <a:srgbClr val="A4A3A4"/>
           </p15:clr>
         </p15:guide>
-        <p15:guide id="2" pos="3576" userDrawn="1">
+        <p15:guide id="2" pos="1176" userDrawn="1">
           <p15:clr>
             <a:srgbClr val="A4A3A4"/>
           </p15:clr>
@@ -278,7 +279,7 @@
           <a:p>
             <a:fld id="{D77D31B0-BD00-434F-AB51-C5E986664E83}" type="datetimeFigureOut">
               <a:rPr lang="en-US" smtClean="0"/>
-              <a:t>1/28/25</a:t>
+              <a:t>2/27/25</a:t>
             </a:fld>
             <a:endParaRPr lang="en-US"/>
           </a:p>
@@ -476,7 +477,7 @@
           <a:p>
             <a:fld id="{D77D31B0-BD00-434F-AB51-C5E986664E83}" type="datetimeFigureOut">
               <a:rPr lang="en-US" smtClean="0"/>
-              <a:t>1/28/25</a:t>
+              <a:t>2/27/25</a:t>
             </a:fld>
             <a:endParaRPr lang="en-US"/>
           </a:p>
@@ -684,7 +685,7 @@
           <a:p>
             <a:fld id="{D77D31B0-BD00-434F-AB51-C5E986664E83}" type="datetimeFigureOut">
               <a:rPr lang="en-US" smtClean="0"/>
-              <a:t>1/28/25</a:t>
+              <a:t>2/27/25</a:t>
             </a:fld>
             <a:endParaRPr lang="en-US"/>
           </a:p>
@@ -882,7 +883,7 @@
           <a:p>
             <a:fld id="{D77D31B0-BD00-434F-AB51-C5E986664E83}" type="datetimeFigureOut">
               <a:rPr lang="en-US" smtClean="0"/>
-              <a:t>1/28/25</a:t>
+              <a:t>2/27/25</a:t>
             </a:fld>
             <a:endParaRPr lang="en-US"/>
           </a:p>
@@ -1157,7 +1158,7 @@
           <a:p>
             <a:fld id="{D77D31B0-BD00-434F-AB51-C5E986664E83}" type="datetimeFigureOut">
               <a:rPr lang="en-US" smtClean="0"/>
-              <a:t>1/28/25</a:t>
+              <a:t>2/27/25</a:t>
             </a:fld>
             <a:endParaRPr lang="en-US"/>
           </a:p>
@@ -1422,7 +1423,7 @@
           <a:p>
             <a:fld id="{D77D31B0-BD00-434F-AB51-C5E986664E83}" type="datetimeFigureOut">
               <a:rPr lang="en-US" smtClean="0"/>
-              <a:t>1/28/25</a:t>
+              <a:t>2/27/25</a:t>
             </a:fld>
             <a:endParaRPr lang="en-US"/>
           </a:p>
@@ -1834,7 +1835,7 @@
           <a:p>
             <a:fld id="{D77D31B0-BD00-434F-AB51-C5E986664E83}" type="datetimeFigureOut">
               <a:rPr lang="en-US" smtClean="0"/>
-              <a:t>1/28/25</a:t>
+              <a:t>2/27/25</a:t>
             </a:fld>
             <a:endParaRPr lang="en-US"/>
           </a:p>
@@ -1975,7 +1976,7 @@
           <a:p>
             <a:fld id="{D77D31B0-BD00-434F-AB51-C5E986664E83}" type="datetimeFigureOut">
               <a:rPr lang="en-US" smtClean="0"/>
-              <a:t>1/28/25</a:t>
+              <a:t>2/27/25</a:t>
             </a:fld>
             <a:endParaRPr lang="en-US"/>
           </a:p>
@@ -2088,7 +2089,7 @@
           <a:p>
             <a:fld id="{D77D31B0-BD00-434F-AB51-C5E986664E83}" type="datetimeFigureOut">
               <a:rPr lang="en-US" smtClean="0"/>
-              <a:t>1/28/25</a:t>
+              <a:t>2/27/25</a:t>
             </a:fld>
             <a:endParaRPr lang="en-US"/>
           </a:p>
@@ -2399,7 +2400,7 @@
           <a:p>
             <a:fld id="{D77D31B0-BD00-434F-AB51-C5E986664E83}" type="datetimeFigureOut">
               <a:rPr lang="en-US" smtClean="0"/>
-              <a:t>1/28/25</a:t>
+              <a:t>2/27/25</a:t>
             </a:fld>
             <a:endParaRPr lang="en-US"/>
           </a:p>
@@ -2687,7 +2688,7 @@
           <a:p>
             <a:fld id="{D77D31B0-BD00-434F-AB51-C5E986664E83}" type="datetimeFigureOut">
               <a:rPr lang="en-US" smtClean="0"/>
-              <a:t>1/28/25</a:t>
+              <a:t>2/27/25</a:t>
             </a:fld>
             <a:endParaRPr lang="en-US"/>
           </a:p>
@@ -2928,7 +2929,7 @@
           <a:p>
             <a:fld id="{D77D31B0-BD00-434F-AB51-C5E986664E83}" type="datetimeFigureOut">
               <a:rPr lang="en-US" smtClean="0"/>
-              <a:t>1/28/25</a:t>
+              <a:t>2/27/25</a:t>
             </a:fld>
             <a:endParaRPr lang="en-US"/>
           </a:p>
@@ -3774,6 +3775,596 @@
 </p:sld>
 </file>
 
+<file path=ppt/slides/slide10.xml><?xml version="1.0" encoding="utf-8"?>
+<p:sld xmlns:a="http://schemas.openxmlformats.org/drawingml/2006/main" xmlns:r="http://schemas.openxmlformats.org/officeDocument/2006/relationships" xmlns:p="http://schemas.openxmlformats.org/presentationml/2006/main">
+  <p:cSld>
+    <p:spTree>
+      <p:nvGrpSpPr>
+        <p:cNvPr id="1" name=""/>
+        <p:cNvGrpSpPr/>
+        <p:nvPr/>
+      </p:nvGrpSpPr>
+      <p:grpSpPr>
+        <a:xfrm>
+          <a:off x="0" y="0"/>
+          <a:ext cx="0" cy="0"/>
+          <a:chOff x="0" y="0"/>
+          <a:chExt cx="0" cy="0"/>
+        </a:xfrm>
+      </p:grpSpPr>
+      <p:pic>
+        <p:nvPicPr>
+          <p:cNvPr id="5" name="Picture 4">
+            <a:extLst>
+              <a:ext uri="{FF2B5EF4-FFF2-40B4-BE49-F238E27FC236}">
+                <a16:creationId xmlns:a16="http://schemas.microsoft.com/office/drawing/2014/main" id="{FEA8350C-1B34-9FEF-5941-A9550B7AA655}"/>
+              </a:ext>
+            </a:extLst>
+          </p:cNvPr>
+          <p:cNvPicPr>
+            <a:picLocks noChangeAspect="1"/>
+          </p:cNvPicPr>
+          <p:nvPr/>
+        </p:nvPicPr>
+        <p:blipFill>
+          <a:blip r:embed="rId2"/>
+          <a:stretch>
+            <a:fillRect/>
+          </a:stretch>
+        </p:blipFill>
+        <p:spPr>
+          <a:xfrm>
+            <a:off x="2178867" y="461559"/>
+            <a:ext cx="5399570" cy="916164"/>
+          </a:xfrm>
+          <a:prstGeom prst="rect">
+            <a:avLst/>
+          </a:prstGeom>
+        </p:spPr>
+      </p:pic>
+      <p:pic>
+        <p:nvPicPr>
+          <p:cNvPr id="7" name="Picture 6">
+            <a:extLst>
+              <a:ext uri="{FF2B5EF4-FFF2-40B4-BE49-F238E27FC236}">
+                <a16:creationId xmlns:a16="http://schemas.microsoft.com/office/drawing/2014/main" id="{262759AB-6A7E-648A-BEF0-97608FA016F5}"/>
+              </a:ext>
+            </a:extLst>
+          </p:cNvPr>
+          <p:cNvPicPr>
+            <a:picLocks noChangeAspect="1"/>
+          </p:cNvPicPr>
+          <p:nvPr/>
+        </p:nvPicPr>
+        <p:blipFill>
+          <a:blip r:embed="rId3"/>
+          <a:stretch>
+            <a:fillRect/>
+          </a:stretch>
+        </p:blipFill>
+        <p:spPr>
+          <a:xfrm>
+            <a:off x="2455520" y="1755229"/>
+            <a:ext cx="2443706" cy="2498116"/>
+          </a:xfrm>
+          <a:prstGeom prst="rect">
+            <a:avLst/>
+          </a:prstGeom>
+        </p:spPr>
+      </p:pic>
+      <p:sp>
+        <p:nvSpPr>
+          <p:cNvPr id="8" name="TextBox 7">
+            <a:extLst>
+              <a:ext uri="{FF2B5EF4-FFF2-40B4-BE49-F238E27FC236}">
+                <a16:creationId xmlns:a16="http://schemas.microsoft.com/office/drawing/2014/main" id="{25664B8A-7786-EB93-F6F1-7F5726AD5D44}"/>
+              </a:ext>
+            </a:extLst>
+          </p:cNvPr>
+          <p:cNvSpPr txBox="1"/>
+          <p:nvPr/>
+        </p:nvSpPr>
+        <p:spPr>
+          <a:xfrm>
+            <a:off x="5135256" y="1734685"/>
+            <a:ext cx="2249776" cy="2677656"/>
+          </a:xfrm>
+          <a:prstGeom prst="rect">
+            <a:avLst/>
+          </a:prstGeom>
+          <a:noFill/>
+        </p:spPr>
+        <p:txBody>
+          <a:bodyPr wrap="square" rtlCol="0">
+            <a:spAutoFit/>
+          </a:bodyPr>
+          <a:lstStyle/>
+          <a:p>
+            <a:r>
+              <a:rPr lang="en-US" sz="1400" dirty="0"/>
+              <a:t>I'm Bob Rodini software developer, educator, and puzzle lover.</a:t>
+            </a:r>
+          </a:p>
+          <a:p>
+            <a:endParaRPr lang="en-US" sz="1400" dirty="0"/>
+          </a:p>
+          <a:p>
+            <a:r>
+              <a:rPr lang="en-US" sz="1400" dirty="0"/>
+              <a:t>I make educational apps (videos too) that are FREE with absolutely NO advertising.</a:t>
+            </a:r>
+          </a:p>
+          <a:p>
+            <a:endParaRPr lang="en-US" sz="1400" dirty="0"/>
+          </a:p>
+          <a:p>
+            <a:r>
+              <a:rPr lang="en-US" sz="1400" dirty="0"/>
+              <a:t>My current offerings are below. Just click on the image to play and learn.</a:t>
+            </a:r>
+            <a:endParaRPr lang="en-US" dirty="0"/>
+          </a:p>
+        </p:txBody>
+      </p:sp>
+      <p:sp>
+        <p:nvSpPr>
+          <p:cNvPr id="9" name="Rectangle 8">
+            <a:extLst>
+              <a:ext uri="{FF2B5EF4-FFF2-40B4-BE49-F238E27FC236}">
+                <a16:creationId xmlns:a16="http://schemas.microsoft.com/office/drawing/2014/main" id="{E0E1F31A-B5CF-E5D7-D1E4-4592C398E613}"/>
+              </a:ext>
+            </a:extLst>
+          </p:cNvPr>
+          <p:cNvSpPr/>
+          <p:nvPr/>
+        </p:nvSpPr>
+        <p:spPr>
+          <a:xfrm>
+            <a:off x="1995055" y="274702"/>
+            <a:ext cx="5999018" cy="6389334"/>
+          </a:xfrm>
+          <a:prstGeom prst="rect">
+            <a:avLst/>
+          </a:prstGeom>
+          <a:noFill/>
+          <a:ln>
+            <a:solidFill>
+              <a:schemeClr val="tx1"/>
+            </a:solidFill>
+          </a:ln>
+        </p:spPr>
+        <p:style>
+          <a:lnRef idx="2">
+            <a:schemeClr val="accent1">
+              <a:shade val="15000"/>
+            </a:schemeClr>
+          </a:lnRef>
+          <a:fillRef idx="1">
+            <a:schemeClr val="accent1"/>
+          </a:fillRef>
+          <a:effectRef idx="0">
+            <a:schemeClr val="accent1"/>
+          </a:effectRef>
+          <a:fontRef idx="minor">
+            <a:schemeClr val="lt1"/>
+          </a:fontRef>
+        </p:style>
+        <p:txBody>
+          <a:bodyPr rtlCol="0" anchor="ctr"/>
+          <a:lstStyle/>
+          <a:p>
+            <a:pPr algn="ctr"/>
+            <a:endParaRPr lang="en-US"/>
+          </a:p>
+        </p:txBody>
+      </p:sp>
+      <p:grpSp>
+        <p:nvGrpSpPr>
+          <p:cNvPr id="19" name="Group 18">
+            <a:extLst>
+              <a:ext uri="{FF2B5EF4-FFF2-40B4-BE49-F238E27FC236}">
+                <a16:creationId xmlns:a16="http://schemas.microsoft.com/office/drawing/2014/main" id="{77F3C6EC-31E5-DA29-7FAA-918791AE72BD}"/>
+              </a:ext>
+            </a:extLst>
+          </p:cNvPr>
+          <p:cNvGrpSpPr/>
+          <p:nvPr/>
+        </p:nvGrpSpPr>
+        <p:grpSpPr>
+          <a:xfrm>
+            <a:off x="2646218" y="4599709"/>
+            <a:ext cx="1366674" cy="1828800"/>
+            <a:chOff x="2646218" y="4599709"/>
+            <a:chExt cx="1366674" cy="1828800"/>
+          </a:xfrm>
+        </p:grpSpPr>
+        <p:sp>
+          <p:nvSpPr>
+            <p:cNvPr id="10" name="Rectangle 9">
+              <a:extLst>
+                <a:ext uri="{FF2B5EF4-FFF2-40B4-BE49-F238E27FC236}">
+                  <a16:creationId xmlns:a16="http://schemas.microsoft.com/office/drawing/2014/main" id="{E103AEF0-71CC-1B78-6F19-77C8755838D7}"/>
+                </a:ext>
+              </a:extLst>
+            </p:cNvPr>
+            <p:cNvSpPr/>
+            <p:nvPr/>
+          </p:nvSpPr>
+          <p:spPr>
+            <a:xfrm>
+              <a:off x="2672016" y="4599709"/>
+              <a:ext cx="1331948" cy="1828800"/>
+            </a:xfrm>
+            <a:prstGeom prst="rect">
+              <a:avLst/>
+            </a:prstGeom>
+            <a:noFill/>
+            <a:ln>
+              <a:solidFill>
+                <a:schemeClr val="tx1"/>
+              </a:solidFill>
+            </a:ln>
+          </p:spPr>
+          <p:style>
+            <a:lnRef idx="2">
+              <a:schemeClr val="accent1">
+                <a:shade val="15000"/>
+              </a:schemeClr>
+            </a:lnRef>
+            <a:fillRef idx="1">
+              <a:schemeClr val="accent1"/>
+            </a:fillRef>
+            <a:effectRef idx="0">
+              <a:schemeClr val="accent1"/>
+            </a:effectRef>
+            <a:fontRef idx="minor">
+              <a:schemeClr val="lt1"/>
+            </a:fontRef>
+          </p:style>
+          <p:txBody>
+            <a:bodyPr rtlCol="0" anchor="ctr"/>
+            <a:lstStyle/>
+            <a:p>
+              <a:pPr algn="ctr"/>
+              <a:endParaRPr lang="en-US"/>
+            </a:p>
+          </p:txBody>
+        </p:sp>
+        <p:sp>
+          <p:nvSpPr>
+            <p:cNvPr id="11" name="TextBox 10">
+              <a:extLst>
+                <a:ext uri="{FF2B5EF4-FFF2-40B4-BE49-F238E27FC236}">
+                  <a16:creationId xmlns:a16="http://schemas.microsoft.com/office/drawing/2014/main" id="{E5D9A3BE-F3DA-C506-8201-A89E15E69E8E}"/>
+                </a:ext>
+              </a:extLst>
+            </p:cNvPr>
+            <p:cNvSpPr txBox="1"/>
+            <p:nvPr/>
+          </p:nvSpPr>
+          <p:spPr>
+            <a:xfrm>
+              <a:off x="2646218" y="4599709"/>
+              <a:ext cx="1366674" cy="769441"/>
+            </a:xfrm>
+            <a:prstGeom prst="rect">
+              <a:avLst/>
+            </a:prstGeom>
+            <a:noFill/>
+          </p:spPr>
+          <p:txBody>
+            <a:bodyPr wrap="square" rtlCol="0">
+              <a:spAutoFit/>
+            </a:bodyPr>
+            <a:lstStyle/>
+            <a:p>
+              <a:pPr algn="ctr"/>
+              <a:r>
+                <a:rPr lang="en-US" sz="1600" dirty="0"/>
+                <a:t>Make Change</a:t>
+              </a:r>
+            </a:p>
+            <a:p>
+              <a:pPr algn="ctr"/>
+              <a:r>
+                <a:rPr lang="en-US" sz="1400" dirty="0"/>
+                <a:t>Math/logic game</a:t>
+              </a:r>
+            </a:p>
+          </p:txBody>
+        </p:sp>
+        <p:pic>
+          <p:nvPicPr>
+            <p:cNvPr id="17" name="Picture 16">
+              <a:extLst>
+                <a:ext uri="{FF2B5EF4-FFF2-40B4-BE49-F238E27FC236}">
+                  <a16:creationId xmlns:a16="http://schemas.microsoft.com/office/drawing/2014/main" id="{0F55C697-7E1D-4D41-2731-077A62E880F0}"/>
+                </a:ext>
+              </a:extLst>
+            </p:cNvPr>
+            <p:cNvPicPr>
+              <a:picLocks noChangeAspect="1"/>
+            </p:cNvPicPr>
+            <p:nvPr/>
+          </p:nvPicPr>
+          <p:blipFill rotWithShape="1">
+            <a:blip r:embed="rId4"/>
+            <a:srcRect t="16452" b="8971"/>
+            <a:stretch/>
+          </p:blipFill>
+          <p:spPr>
+            <a:xfrm>
+              <a:off x="2918691" y="5523340"/>
+              <a:ext cx="794327" cy="877466"/>
+            </a:xfrm>
+            <a:prstGeom prst="rect">
+              <a:avLst/>
+            </a:prstGeom>
+          </p:spPr>
+        </p:pic>
+      </p:grpSp>
+      <p:grpSp>
+        <p:nvGrpSpPr>
+          <p:cNvPr id="20" name="Group 19">
+            <a:extLst>
+              <a:ext uri="{FF2B5EF4-FFF2-40B4-BE49-F238E27FC236}">
+                <a16:creationId xmlns:a16="http://schemas.microsoft.com/office/drawing/2014/main" id="{180B1BCA-4E17-C0C0-24CF-F0A26A8A0223}"/>
+              </a:ext>
+            </a:extLst>
+          </p:cNvPr>
+          <p:cNvGrpSpPr/>
+          <p:nvPr/>
+        </p:nvGrpSpPr>
+        <p:grpSpPr>
+          <a:xfrm>
+            <a:off x="4611651" y="4613561"/>
+            <a:ext cx="1331948" cy="1759529"/>
+            <a:chOff x="5304380" y="4613561"/>
+            <a:chExt cx="1331948" cy="1759529"/>
+          </a:xfrm>
+        </p:grpSpPr>
+        <p:sp>
+          <p:nvSpPr>
+            <p:cNvPr id="12" name="Rectangle 11">
+              <a:extLst>
+                <a:ext uri="{FF2B5EF4-FFF2-40B4-BE49-F238E27FC236}">
+                  <a16:creationId xmlns:a16="http://schemas.microsoft.com/office/drawing/2014/main" id="{C585A106-B37B-DD13-6F49-1045722C1EA3}"/>
+                </a:ext>
+              </a:extLst>
+            </p:cNvPr>
+            <p:cNvSpPr/>
+            <p:nvPr/>
+          </p:nvSpPr>
+          <p:spPr>
+            <a:xfrm>
+              <a:off x="5304380" y="4613563"/>
+              <a:ext cx="1331948" cy="1759527"/>
+            </a:xfrm>
+            <a:prstGeom prst="rect">
+              <a:avLst/>
+            </a:prstGeom>
+            <a:noFill/>
+            <a:ln>
+              <a:solidFill>
+                <a:schemeClr val="tx1"/>
+              </a:solidFill>
+            </a:ln>
+          </p:spPr>
+          <p:style>
+            <a:lnRef idx="2">
+              <a:schemeClr val="accent1">
+                <a:shade val="15000"/>
+              </a:schemeClr>
+            </a:lnRef>
+            <a:fillRef idx="1">
+              <a:schemeClr val="accent1"/>
+            </a:fillRef>
+            <a:effectRef idx="0">
+              <a:schemeClr val="accent1"/>
+            </a:effectRef>
+            <a:fontRef idx="minor">
+              <a:schemeClr val="lt1"/>
+            </a:fontRef>
+          </p:style>
+          <p:txBody>
+            <a:bodyPr rtlCol="0" anchor="ctr"/>
+            <a:lstStyle/>
+            <a:p>
+              <a:pPr algn="ctr"/>
+              <a:endParaRPr lang="en-US"/>
+            </a:p>
+          </p:txBody>
+        </p:sp>
+        <p:sp>
+          <p:nvSpPr>
+            <p:cNvPr id="13" name="TextBox 12">
+              <a:extLst>
+                <a:ext uri="{FF2B5EF4-FFF2-40B4-BE49-F238E27FC236}">
+                  <a16:creationId xmlns:a16="http://schemas.microsoft.com/office/drawing/2014/main" id="{5A41ED0B-FD7E-DBFC-7DE7-F9931A9B090D}"/>
+                </a:ext>
+              </a:extLst>
+            </p:cNvPr>
+            <p:cNvSpPr txBox="1"/>
+            <p:nvPr/>
+          </p:nvSpPr>
+          <p:spPr>
+            <a:xfrm>
+              <a:off x="5320145" y="4613561"/>
+              <a:ext cx="1303358" cy="523220"/>
+            </a:xfrm>
+            <a:prstGeom prst="rect">
+              <a:avLst/>
+            </a:prstGeom>
+            <a:noFill/>
+          </p:spPr>
+          <p:txBody>
+            <a:bodyPr wrap="square" rtlCol="0">
+              <a:spAutoFit/>
+            </a:bodyPr>
+            <a:lstStyle/>
+            <a:p>
+              <a:pPr algn="ctr"/>
+              <a:r>
+                <a:rPr lang="en-US" sz="1400" dirty="0"/>
+                <a:t>Pizza Problem</a:t>
+              </a:r>
+            </a:p>
+            <a:p>
+              <a:pPr algn="ctr"/>
+              <a:r>
+                <a:rPr lang="en-US" sz="1400" dirty="0"/>
+                <a:t>Math video</a:t>
+              </a:r>
+            </a:p>
+          </p:txBody>
+        </p:sp>
+        <p:pic>
+          <p:nvPicPr>
+            <p:cNvPr id="18" name="Picture 6">
+              <a:extLst>
+                <a:ext uri="{FF2B5EF4-FFF2-40B4-BE49-F238E27FC236}">
+                  <a16:creationId xmlns:a16="http://schemas.microsoft.com/office/drawing/2014/main" id="{5D06A0C8-97C0-78B6-FEEC-B5F57D76D680}"/>
+                </a:ext>
+              </a:extLst>
+            </p:cNvPr>
+            <p:cNvPicPr>
+              <a:picLocks noChangeAspect="1" noChangeArrowheads="1"/>
+            </p:cNvPicPr>
+            <p:nvPr/>
+          </p:nvPicPr>
+          <p:blipFill rotWithShape="1">
+            <a:blip r:embed="rId5">
+              <a:extLst>
+                <a:ext uri="{28A0092B-C50C-407E-A947-70E740481C1C}">
+                  <a14:useLocalDpi xmlns:a14="http://schemas.microsoft.com/office/drawing/2010/main" val="0"/>
+                </a:ext>
+              </a:extLst>
+            </a:blip>
+            <a:srcRect t="9705"/>
+            <a:stretch/>
+          </p:blipFill>
+          <p:spPr bwMode="auto">
+            <a:xfrm>
+              <a:off x="5492008" y="5462193"/>
+              <a:ext cx="936502" cy="890664"/>
+            </a:xfrm>
+            <a:prstGeom prst="rect">
+              <a:avLst/>
+            </a:prstGeom>
+            <a:noFill/>
+            <a:extLst>
+              <a:ext uri="{909E8E84-426E-40DD-AFC4-6F175D3DCCD1}">
+                <a14:hiddenFill xmlns:a14="http://schemas.microsoft.com/office/drawing/2010/main">
+                  <a:solidFill>
+                    <a:srgbClr val="FFFFFF"/>
+                  </a:solidFill>
+                </a14:hiddenFill>
+              </a:ext>
+            </a:extLst>
+          </p:spPr>
+        </p:pic>
+      </p:grpSp>
+      <p:sp>
+        <p:nvSpPr>
+          <p:cNvPr id="22" name="Rectangle 21">
+            <a:extLst>
+              <a:ext uri="{FF2B5EF4-FFF2-40B4-BE49-F238E27FC236}">
+                <a16:creationId xmlns:a16="http://schemas.microsoft.com/office/drawing/2014/main" id="{CE02E24B-B036-E269-F78E-983B603192BE}"/>
+              </a:ext>
+            </a:extLst>
+          </p:cNvPr>
+          <p:cNvSpPr/>
+          <p:nvPr/>
+        </p:nvSpPr>
+        <p:spPr>
+          <a:xfrm>
+            <a:off x="6440451" y="4599709"/>
+            <a:ext cx="1331948" cy="1759527"/>
+          </a:xfrm>
+          <a:prstGeom prst="rect">
+            <a:avLst/>
+          </a:prstGeom>
+          <a:noFill/>
+          <a:ln>
+            <a:solidFill>
+              <a:schemeClr val="tx1"/>
+            </a:solidFill>
+          </a:ln>
+        </p:spPr>
+        <p:style>
+          <a:lnRef idx="2">
+            <a:schemeClr val="accent1">
+              <a:shade val="15000"/>
+            </a:schemeClr>
+          </a:lnRef>
+          <a:fillRef idx="1">
+            <a:schemeClr val="accent1"/>
+          </a:fillRef>
+          <a:effectRef idx="0">
+            <a:schemeClr val="accent1"/>
+          </a:effectRef>
+          <a:fontRef idx="minor">
+            <a:schemeClr val="lt1"/>
+          </a:fontRef>
+        </p:style>
+        <p:txBody>
+          <a:bodyPr rtlCol="0" anchor="ctr"/>
+          <a:lstStyle/>
+          <a:p>
+            <a:pPr algn="ctr"/>
+            <a:endParaRPr lang="en-US" b="1"/>
+          </a:p>
+        </p:txBody>
+      </p:sp>
+      <p:sp>
+        <p:nvSpPr>
+          <p:cNvPr id="23" name="TextBox 22">
+            <a:extLst>
+              <a:ext uri="{FF2B5EF4-FFF2-40B4-BE49-F238E27FC236}">
+                <a16:creationId xmlns:a16="http://schemas.microsoft.com/office/drawing/2014/main" id="{187C07FF-344E-EE59-AF47-AC62B0A773A2}"/>
+              </a:ext>
+            </a:extLst>
+          </p:cNvPr>
+          <p:cNvSpPr txBox="1"/>
+          <p:nvPr/>
+        </p:nvSpPr>
+        <p:spPr>
+          <a:xfrm>
+            <a:off x="6456216" y="4599707"/>
+            <a:ext cx="1303358" cy="523220"/>
+          </a:xfrm>
+          <a:prstGeom prst="rect">
+            <a:avLst/>
+          </a:prstGeom>
+          <a:noFill/>
+        </p:spPr>
+        <p:txBody>
+          <a:bodyPr wrap="square" rtlCol="0">
+            <a:spAutoFit/>
+          </a:bodyPr>
+          <a:lstStyle/>
+          <a:p>
+            <a:pPr algn="ctr"/>
+            <a:r>
+              <a:rPr lang="en-US" sz="1400" b="1" dirty="0"/>
+              <a:t>More to come…</a:t>
+            </a:r>
+          </a:p>
+        </p:txBody>
+      </p:sp>
+    </p:spTree>
+    <p:extLst>
+      <p:ext uri="{BB962C8B-B14F-4D97-AF65-F5344CB8AC3E}">
+        <p14:creationId xmlns:p14="http://schemas.microsoft.com/office/powerpoint/2010/main" val="881101987"/>
+      </p:ext>
+    </p:extLst>
+  </p:cSld>
+  <p:clrMapOvr>
+    <a:masterClrMapping/>
+  </p:clrMapOvr>
+</p:sld>
+</file>
+
 <file path=ppt/slides/slide2.xml><?xml version="1.0" encoding="utf-8"?>
 <p:sld xmlns:a="http://schemas.openxmlformats.org/drawingml/2006/main" xmlns:r="http://schemas.openxmlformats.org/officeDocument/2006/relationships" xmlns:p="http://schemas.openxmlformats.org/presentationml/2006/main">
   <p:cSld>
@@ -7303,6 +7894,1670 @@
   <p:cSld>
     <p:spTree>
       <p:nvGrpSpPr>
+        <p:cNvPr id="1" name="">
+          <a:extLst>
+            <a:ext uri="{FF2B5EF4-FFF2-40B4-BE49-F238E27FC236}">
+              <a16:creationId xmlns:a16="http://schemas.microsoft.com/office/drawing/2014/main" id="{13269A0A-0755-3294-2FBC-CFC47CC3E60D}"/>
+            </a:ext>
+          </a:extLst>
+        </p:cNvPr>
+        <p:cNvGrpSpPr/>
+        <p:nvPr/>
+      </p:nvGrpSpPr>
+      <p:grpSpPr>
+        <a:xfrm>
+          <a:off x="0" y="0"/>
+          <a:ext cx="0" cy="0"/>
+          <a:chOff x="0" y="0"/>
+          <a:chExt cx="0" cy="0"/>
+        </a:xfrm>
+      </p:grpSpPr>
+      <p:grpSp>
+        <p:nvGrpSpPr>
+          <p:cNvPr id="103" name="Group 102">
+            <a:extLst>
+              <a:ext uri="{FF2B5EF4-FFF2-40B4-BE49-F238E27FC236}">
+                <a16:creationId xmlns:a16="http://schemas.microsoft.com/office/drawing/2014/main" id="{97AE9240-EEB8-BD05-9518-B5712CA9CF92}"/>
+              </a:ext>
+            </a:extLst>
+          </p:cNvPr>
+          <p:cNvGrpSpPr/>
+          <p:nvPr/>
+        </p:nvGrpSpPr>
+        <p:grpSpPr>
+          <a:xfrm>
+            <a:off x="3929085" y="3563879"/>
+            <a:ext cx="2039383" cy="2352590"/>
+            <a:chOff x="2500313" y="3563879"/>
+            <a:chExt cx="2039383" cy="2352590"/>
+          </a:xfrm>
+        </p:grpSpPr>
+        <p:sp>
+          <p:nvSpPr>
+            <p:cNvPr id="14" name="TextBox 13">
+              <a:extLst>
+                <a:ext uri="{FF2B5EF4-FFF2-40B4-BE49-F238E27FC236}">
+                  <a16:creationId xmlns:a16="http://schemas.microsoft.com/office/drawing/2014/main" id="{CADDDBCE-1A35-6671-90CC-31EC94DB47C1}"/>
+                </a:ext>
+              </a:extLst>
+            </p:cNvPr>
+            <p:cNvSpPr txBox="1"/>
+            <p:nvPr/>
+          </p:nvSpPr>
+          <p:spPr>
+            <a:xfrm>
+              <a:off x="2500313" y="3568360"/>
+              <a:ext cx="2039383" cy="2348109"/>
+            </a:xfrm>
+            <a:prstGeom prst="rect">
+              <a:avLst/>
+            </a:prstGeom>
+            <a:noFill/>
+            <a:ln>
+              <a:solidFill>
+                <a:schemeClr val="tx1"/>
+              </a:solidFill>
+            </a:ln>
+          </p:spPr>
+          <p:txBody>
+            <a:bodyPr wrap="square" rtlCol="0">
+              <a:spAutoFit/>
+            </a:bodyPr>
+            <a:lstStyle/>
+            <a:p>
+              <a:endParaRPr lang="en-US" dirty="0"/>
+            </a:p>
+          </p:txBody>
+        </p:sp>
+        <p:sp>
+          <p:nvSpPr>
+            <p:cNvPr id="3" name="TextBox 2">
+              <a:extLst>
+                <a:ext uri="{FF2B5EF4-FFF2-40B4-BE49-F238E27FC236}">
+                  <a16:creationId xmlns:a16="http://schemas.microsoft.com/office/drawing/2014/main" id="{E4E1EC93-A688-8CED-1018-878519AAC653}"/>
+                </a:ext>
+              </a:extLst>
+            </p:cNvPr>
+            <p:cNvSpPr txBox="1"/>
+            <p:nvPr/>
+          </p:nvSpPr>
+          <p:spPr>
+            <a:xfrm>
+              <a:off x="2514600" y="3563879"/>
+              <a:ext cx="2025095" cy="369332"/>
+            </a:xfrm>
+            <a:prstGeom prst="rect">
+              <a:avLst/>
+            </a:prstGeom>
+            <a:noFill/>
+            <a:ln>
+              <a:solidFill>
+                <a:schemeClr val="tx1"/>
+              </a:solidFill>
+            </a:ln>
+          </p:spPr>
+          <p:txBody>
+            <a:bodyPr wrap="square" rtlCol="0">
+              <a:spAutoFit/>
+            </a:bodyPr>
+            <a:lstStyle/>
+            <a:p>
+              <a:pPr algn="ctr"/>
+              <a:r>
+                <a:rPr lang="en-US" dirty="0"/>
+                <a:t>GAME/HELP </a:t>
+              </a:r>
+            </a:p>
+          </p:txBody>
+        </p:sp>
+      </p:grpSp>
+      <p:sp>
+        <p:nvSpPr>
+          <p:cNvPr id="16" name="TextBox 15">
+            <a:extLst>
+              <a:ext uri="{FF2B5EF4-FFF2-40B4-BE49-F238E27FC236}">
+                <a16:creationId xmlns:a16="http://schemas.microsoft.com/office/drawing/2014/main" id="{1E159292-6683-ACBA-B564-4807523B0443}"/>
+              </a:ext>
+            </a:extLst>
+          </p:cNvPr>
+          <p:cNvSpPr txBox="1"/>
+          <p:nvPr/>
+        </p:nvSpPr>
+        <p:spPr>
+          <a:xfrm>
+            <a:off x="5287401" y="799658"/>
+            <a:ext cx="1617134" cy="2348109"/>
+          </a:xfrm>
+          <a:prstGeom prst="rect">
+            <a:avLst/>
+          </a:prstGeom>
+          <a:noFill/>
+          <a:ln>
+            <a:solidFill>
+              <a:schemeClr val="tx1"/>
+            </a:solidFill>
+          </a:ln>
+        </p:spPr>
+        <p:txBody>
+          <a:bodyPr wrap="square" rtlCol="0">
+            <a:spAutoFit/>
+          </a:bodyPr>
+          <a:lstStyle/>
+          <a:p>
+            <a:endParaRPr lang="en-US" dirty="0"/>
+          </a:p>
+        </p:txBody>
+      </p:sp>
+      <p:sp>
+        <p:nvSpPr>
+          <p:cNvPr id="17" name="TextBox 16">
+            <a:extLst>
+              <a:ext uri="{FF2B5EF4-FFF2-40B4-BE49-F238E27FC236}">
+                <a16:creationId xmlns:a16="http://schemas.microsoft.com/office/drawing/2014/main" id="{2F7E5470-64EA-84AD-9907-B4FB96E8659C}"/>
+              </a:ext>
+            </a:extLst>
+          </p:cNvPr>
+          <p:cNvSpPr txBox="1"/>
+          <p:nvPr/>
+        </p:nvSpPr>
+        <p:spPr>
+          <a:xfrm>
+            <a:off x="5467617" y="856984"/>
+            <a:ext cx="1132879" cy="369332"/>
+          </a:xfrm>
+          <a:prstGeom prst="rect">
+            <a:avLst/>
+          </a:prstGeom>
+          <a:noFill/>
+          <a:ln>
+            <a:solidFill>
+              <a:schemeClr val="tx1"/>
+            </a:solidFill>
+          </a:ln>
+        </p:spPr>
+        <p:txBody>
+          <a:bodyPr wrap="square" rtlCol="0">
+            <a:spAutoFit/>
+          </a:bodyPr>
+          <a:lstStyle/>
+          <a:p>
+            <a:pPr algn="ctr"/>
+            <a:r>
+              <a:rPr lang="en-US" dirty="0"/>
+              <a:t>Penny</a:t>
+            </a:r>
+          </a:p>
+        </p:txBody>
+      </p:sp>
+      <p:cxnSp>
+        <p:nvCxnSpPr>
+          <p:cNvPr id="34" name="Straight Arrow Connector 33">
+            <a:extLst>
+              <a:ext uri="{FF2B5EF4-FFF2-40B4-BE49-F238E27FC236}">
+                <a16:creationId xmlns:a16="http://schemas.microsoft.com/office/drawing/2014/main" id="{3F07D492-E457-CA34-85A1-EEA59B989DF4}"/>
+              </a:ext>
+            </a:extLst>
+          </p:cNvPr>
+          <p:cNvCxnSpPr>
+            <a:cxnSpLocks/>
+          </p:cNvCxnSpPr>
+          <p:nvPr/>
+        </p:nvCxnSpPr>
+        <p:spPr>
+          <a:xfrm flipV="1">
+            <a:off x="4530886" y="996253"/>
+            <a:ext cx="756515" cy="6868"/>
+          </a:xfrm>
+          <a:prstGeom prst="straightConnector1">
+            <a:avLst/>
+          </a:prstGeom>
+          <a:ln>
+            <a:solidFill>
+              <a:schemeClr val="tx1"/>
+            </a:solidFill>
+            <a:tailEnd type="triangle"/>
+          </a:ln>
+        </p:spPr>
+        <p:style>
+          <a:lnRef idx="1">
+            <a:schemeClr val="accent1"/>
+          </a:lnRef>
+          <a:fillRef idx="0">
+            <a:schemeClr val="accent1"/>
+          </a:fillRef>
+          <a:effectRef idx="0">
+            <a:schemeClr val="accent1"/>
+          </a:effectRef>
+          <a:fontRef idx="minor">
+            <a:schemeClr val="tx1"/>
+          </a:fontRef>
+        </p:style>
+      </p:cxnSp>
+      <p:sp>
+        <p:nvSpPr>
+          <p:cNvPr id="33" name="TextBox 32">
+            <a:extLst>
+              <a:ext uri="{FF2B5EF4-FFF2-40B4-BE49-F238E27FC236}">
+                <a16:creationId xmlns:a16="http://schemas.microsoft.com/office/drawing/2014/main" id="{C781B723-8AAD-800A-90F9-6065AA4A6401}"/>
+              </a:ext>
+            </a:extLst>
+          </p:cNvPr>
+          <p:cNvSpPr txBox="1"/>
+          <p:nvPr/>
+        </p:nvSpPr>
+        <p:spPr>
+          <a:xfrm>
+            <a:off x="5472873" y="1398266"/>
+            <a:ext cx="1132879" cy="369332"/>
+          </a:xfrm>
+          <a:prstGeom prst="rect">
+            <a:avLst/>
+          </a:prstGeom>
+          <a:noFill/>
+          <a:ln>
+            <a:solidFill>
+              <a:schemeClr val="tx1"/>
+            </a:solidFill>
+          </a:ln>
+        </p:spPr>
+        <p:txBody>
+          <a:bodyPr wrap="square" rtlCol="0">
+            <a:spAutoFit/>
+          </a:bodyPr>
+          <a:lstStyle/>
+          <a:p>
+            <a:pPr algn="ctr"/>
+            <a:r>
+              <a:rPr lang="en-US" dirty="0"/>
+              <a:t>Nickel</a:t>
+            </a:r>
+          </a:p>
+        </p:txBody>
+      </p:sp>
+      <p:sp>
+        <p:nvSpPr>
+          <p:cNvPr id="35" name="TextBox 34">
+            <a:extLst>
+              <a:ext uri="{FF2B5EF4-FFF2-40B4-BE49-F238E27FC236}">
+                <a16:creationId xmlns:a16="http://schemas.microsoft.com/office/drawing/2014/main" id="{03C01447-ECD8-B1A8-8D6C-26B8E0FAB39A}"/>
+              </a:ext>
+            </a:extLst>
+          </p:cNvPr>
+          <p:cNvSpPr txBox="1"/>
+          <p:nvPr/>
+        </p:nvSpPr>
+        <p:spPr>
+          <a:xfrm>
+            <a:off x="5493892" y="1965825"/>
+            <a:ext cx="1132879" cy="369332"/>
+          </a:xfrm>
+          <a:prstGeom prst="rect">
+            <a:avLst/>
+          </a:prstGeom>
+          <a:noFill/>
+          <a:ln>
+            <a:solidFill>
+              <a:schemeClr val="tx1"/>
+            </a:solidFill>
+          </a:ln>
+        </p:spPr>
+        <p:txBody>
+          <a:bodyPr wrap="square" rtlCol="0">
+            <a:spAutoFit/>
+          </a:bodyPr>
+          <a:lstStyle/>
+          <a:p>
+            <a:pPr algn="ctr"/>
+            <a:r>
+              <a:rPr lang="en-US" dirty="0"/>
+              <a:t>Dime</a:t>
+            </a:r>
+          </a:p>
+        </p:txBody>
+      </p:sp>
+      <p:sp>
+        <p:nvSpPr>
+          <p:cNvPr id="50" name="TextBox 49">
+            <a:extLst>
+              <a:ext uri="{FF2B5EF4-FFF2-40B4-BE49-F238E27FC236}">
+                <a16:creationId xmlns:a16="http://schemas.microsoft.com/office/drawing/2014/main" id="{E79F53C5-7CD2-33EA-BF6E-2EA72FEFED29}"/>
+              </a:ext>
+            </a:extLst>
+          </p:cNvPr>
+          <p:cNvSpPr txBox="1"/>
+          <p:nvPr/>
+        </p:nvSpPr>
+        <p:spPr>
+          <a:xfrm>
+            <a:off x="5488638" y="2528128"/>
+            <a:ext cx="1132879" cy="369332"/>
+          </a:xfrm>
+          <a:prstGeom prst="rect">
+            <a:avLst/>
+          </a:prstGeom>
+          <a:noFill/>
+          <a:ln>
+            <a:solidFill>
+              <a:schemeClr val="tx1"/>
+            </a:solidFill>
+          </a:ln>
+        </p:spPr>
+        <p:txBody>
+          <a:bodyPr wrap="square" rtlCol="0">
+            <a:spAutoFit/>
+          </a:bodyPr>
+          <a:lstStyle/>
+          <a:p>
+            <a:pPr algn="ctr"/>
+            <a:r>
+              <a:rPr lang="en-US" dirty="0"/>
+              <a:t>Quarter</a:t>
+            </a:r>
+          </a:p>
+        </p:txBody>
+      </p:sp>
+      <p:grpSp>
+        <p:nvGrpSpPr>
+          <p:cNvPr id="62" name="Group 61">
+            <a:extLst>
+              <a:ext uri="{FF2B5EF4-FFF2-40B4-BE49-F238E27FC236}">
+                <a16:creationId xmlns:a16="http://schemas.microsoft.com/office/drawing/2014/main" id="{42D1734B-8EDC-028A-1EDD-6628B942D607}"/>
+              </a:ext>
+            </a:extLst>
+          </p:cNvPr>
+          <p:cNvGrpSpPr/>
+          <p:nvPr/>
+        </p:nvGrpSpPr>
+        <p:grpSpPr>
+          <a:xfrm>
+            <a:off x="7873704" y="3232804"/>
+            <a:ext cx="1621617" cy="803170"/>
+            <a:chOff x="7947278" y="342458"/>
+            <a:chExt cx="1621617" cy="803170"/>
+          </a:xfrm>
+        </p:grpSpPr>
+        <p:sp>
+          <p:nvSpPr>
+            <p:cNvPr id="54" name="TextBox 53">
+              <a:extLst>
+                <a:ext uri="{FF2B5EF4-FFF2-40B4-BE49-F238E27FC236}">
+                  <a16:creationId xmlns:a16="http://schemas.microsoft.com/office/drawing/2014/main" id="{45FA0963-6368-0ADA-0998-2B6260E8FBB9}"/>
+                </a:ext>
+              </a:extLst>
+            </p:cNvPr>
+            <p:cNvSpPr txBox="1"/>
+            <p:nvPr/>
+          </p:nvSpPr>
+          <p:spPr>
+            <a:xfrm>
+              <a:off x="7951762" y="346939"/>
+              <a:ext cx="1612652" cy="798689"/>
+            </a:xfrm>
+            <a:prstGeom prst="rect">
+              <a:avLst/>
+            </a:prstGeom>
+            <a:noFill/>
+            <a:ln>
+              <a:solidFill>
+                <a:schemeClr val="tx1"/>
+              </a:solidFill>
+            </a:ln>
+          </p:spPr>
+          <p:txBody>
+            <a:bodyPr wrap="square" rtlCol="0">
+              <a:spAutoFit/>
+            </a:bodyPr>
+            <a:lstStyle/>
+            <a:p>
+              <a:endParaRPr lang="en-US" dirty="0"/>
+            </a:p>
+          </p:txBody>
+        </p:sp>
+        <p:sp>
+          <p:nvSpPr>
+            <p:cNvPr id="56" name="TextBox 55">
+              <a:extLst>
+                <a:ext uri="{FF2B5EF4-FFF2-40B4-BE49-F238E27FC236}">
+                  <a16:creationId xmlns:a16="http://schemas.microsoft.com/office/drawing/2014/main" id="{B05DC734-C35A-E4E4-AE78-FD904EEAB0E8}"/>
+                </a:ext>
+              </a:extLst>
+            </p:cNvPr>
+            <p:cNvSpPr txBox="1"/>
+            <p:nvPr/>
+          </p:nvSpPr>
+          <p:spPr>
+            <a:xfrm>
+              <a:off x="7947278" y="342458"/>
+              <a:ext cx="1621617" cy="369332"/>
+            </a:xfrm>
+            <a:prstGeom prst="rect">
+              <a:avLst/>
+            </a:prstGeom>
+            <a:noFill/>
+            <a:ln>
+              <a:solidFill>
+                <a:schemeClr val="tx1"/>
+              </a:solidFill>
+            </a:ln>
+          </p:spPr>
+          <p:txBody>
+            <a:bodyPr wrap="square" rtlCol="0">
+              <a:spAutoFit/>
+            </a:bodyPr>
+            <a:lstStyle/>
+            <a:p>
+              <a:pPr algn="ctr"/>
+              <a:r>
+                <a:rPr lang="en-US" dirty="0"/>
+                <a:t>Quarter Worth</a:t>
+              </a:r>
+            </a:p>
+          </p:txBody>
+        </p:sp>
+      </p:grpSp>
+      <p:grpSp>
+        <p:nvGrpSpPr>
+          <p:cNvPr id="71" name="Group 70">
+            <a:extLst>
+              <a:ext uri="{FF2B5EF4-FFF2-40B4-BE49-F238E27FC236}">
+                <a16:creationId xmlns:a16="http://schemas.microsoft.com/office/drawing/2014/main" id="{FEBA360A-60AF-1095-25C9-8DED80102DB5}"/>
+              </a:ext>
+            </a:extLst>
+          </p:cNvPr>
+          <p:cNvGrpSpPr/>
+          <p:nvPr/>
+        </p:nvGrpSpPr>
+        <p:grpSpPr>
+          <a:xfrm>
+            <a:off x="7878960" y="368734"/>
+            <a:ext cx="1621617" cy="803170"/>
+            <a:chOff x="7947278" y="342458"/>
+            <a:chExt cx="1621617" cy="803170"/>
+          </a:xfrm>
+        </p:grpSpPr>
+        <p:sp>
+          <p:nvSpPr>
+            <p:cNvPr id="72" name="TextBox 71">
+              <a:extLst>
+                <a:ext uri="{FF2B5EF4-FFF2-40B4-BE49-F238E27FC236}">
+                  <a16:creationId xmlns:a16="http://schemas.microsoft.com/office/drawing/2014/main" id="{08A83EEE-C7EA-2FF2-895E-CDFF33B5E311}"/>
+                </a:ext>
+              </a:extLst>
+            </p:cNvPr>
+            <p:cNvSpPr txBox="1"/>
+            <p:nvPr/>
+          </p:nvSpPr>
+          <p:spPr>
+            <a:xfrm>
+              <a:off x="7951762" y="346939"/>
+              <a:ext cx="1612652" cy="798689"/>
+            </a:xfrm>
+            <a:prstGeom prst="rect">
+              <a:avLst/>
+            </a:prstGeom>
+            <a:noFill/>
+            <a:ln>
+              <a:solidFill>
+                <a:schemeClr val="tx1"/>
+              </a:solidFill>
+            </a:ln>
+          </p:spPr>
+          <p:txBody>
+            <a:bodyPr wrap="square" rtlCol="0">
+              <a:spAutoFit/>
+            </a:bodyPr>
+            <a:lstStyle/>
+            <a:p>
+              <a:endParaRPr lang="en-US" dirty="0"/>
+            </a:p>
+          </p:txBody>
+        </p:sp>
+        <p:sp>
+          <p:nvSpPr>
+            <p:cNvPr id="73" name="TextBox 72">
+              <a:extLst>
+                <a:ext uri="{FF2B5EF4-FFF2-40B4-BE49-F238E27FC236}">
+                  <a16:creationId xmlns:a16="http://schemas.microsoft.com/office/drawing/2014/main" id="{DE8B4294-4B73-5133-144D-0643A39D7F40}"/>
+                </a:ext>
+              </a:extLst>
+            </p:cNvPr>
+            <p:cNvSpPr txBox="1"/>
+            <p:nvPr/>
+          </p:nvSpPr>
+          <p:spPr>
+            <a:xfrm>
+              <a:off x="7947278" y="342458"/>
+              <a:ext cx="1621617" cy="369332"/>
+            </a:xfrm>
+            <a:prstGeom prst="rect">
+              <a:avLst/>
+            </a:prstGeom>
+            <a:noFill/>
+            <a:ln>
+              <a:solidFill>
+                <a:schemeClr val="tx1"/>
+              </a:solidFill>
+            </a:ln>
+          </p:spPr>
+          <p:txBody>
+            <a:bodyPr wrap="square" rtlCol="0">
+              <a:spAutoFit/>
+            </a:bodyPr>
+            <a:lstStyle/>
+            <a:p>
+              <a:pPr algn="ctr"/>
+              <a:r>
+                <a:rPr lang="en-US" dirty="0"/>
+                <a:t>Penny Worth</a:t>
+              </a:r>
+            </a:p>
+          </p:txBody>
+        </p:sp>
+      </p:grpSp>
+      <p:grpSp>
+        <p:nvGrpSpPr>
+          <p:cNvPr id="74" name="Group 73">
+            <a:extLst>
+              <a:ext uri="{FF2B5EF4-FFF2-40B4-BE49-F238E27FC236}">
+                <a16:creationId xmlns:a16="http://schemas.microsoft.com/office/drawing/2014/main" id="{D6581D72-C982-DFA0-03F7-6A1A3F80FA86}"/>
+              </a:ext>
+            </a:extLst>
+          </p:cNvPr>
+          <p:cNvGrpSpPr/>
+          <p:nvPr/>
+        </p:nvGrpSpPr>
+        <p:grpSpPr>
+          <a:xfrm>
+            <a:off x="7868449" y="1335686"/>
+            <a:ext cx="1621617" cy="803170"/>
+            <a:chOff x="7947278" y="342458"/>
+            <a:chExt cx="1621617" cy="803170"/>
+          </a:xfrm>
+        </p:grpSpPr>
+        <p:sp>
+          <p:nvSpPr>
+            <p:cNvPr id="75" name="TextBox 74">
+              <a:extLst>
+                <a:ext uri="{FF2B5EF4-FFF2-40B4-BE49-F238E27FC236}">
+                  <a16:creationId xmlns:a16="http://schemas.microsoft.com/office/drawing/2014/main" id="{1EC49361-FB70-E6AB-14CB-71003D01FE00}"/>
+                </a:ext>
+              </a:extLst>
+            </p:cNvPr>
+            <p:cNvSpPr txBox="1"/>
+            <p:nvPr/>
+          </p:nvSpPr>
+          <p:spPr>
+            <a:xfrm>
+              <a:off x="7951762" y="346939"/>
+              <a:ext cx="1612652" cy="798689"/>
+            </a:xfrm>
+            <a:prstGeom prst="rect">
+              <a:avLst/>
+            </a:prstGeom>
+            <a:noFill/>
+            <a:ln>
+              <a:solidFill>
+                <a:schemeClr val="tx1"/>
+              </a:solidFill>
+            </a:ln>
+          </p:spPr>
+          <p:txBody>
+            <a:bodyPr wrap="square" rtlCol="0">
+              <a:spAutoFit/>
+            </a:bodyPr>
+            <a:lstStyle/>
+            <a:p>
+              <a:endParaRPr lang="en-US" dirty="0"/>
+            </a:p>
+          </p:txBody>
+        </p:sp>
+        <p:sp>
+          <p:nvSpPr>
+            <p:cNvPr id="76" name="TextBox 75">
+              <a:extLst>
+                <a:ext uri="{FF2B5EF4-FFF2-40B4-BE49-F238E27FC236}">
+                  <a16:creationId xmlns:a16="http://schemas.microsoft.com/office/drawing/2014/main" id="{E962E39D-7E09-704F-ECD0-7DF99297AECF}"/>
+                </a:ext>
+              </a:extLst>
+            </p:cNvPr>
+            <p:cNvSpPr txBox="1"/>
+            <p:nvPr/>
+          </p:nvSpPr>
+          <p:spPr>
+            <a:xfrm>
+              <a:off x="7947278" y="342458"/>
+              <a:ext cx="1621617" cy="369332"/>
+            </a:xfrm>
+            <a:prstGeom prst="rect">
+              <a:avLst/>
+            </a:prstGeom>
+            <a:noFill/>
+            <a:ln>
+              <a:solidFill>
+                <a:schemeClr val="tx1"/>
+              </a:solidFill>
+            </a:ln>
+          </p:spPr>
+          <p:txBody>
+            <a:bodyPr wrap="square" rtlCol="0">
+              <a:spAutoFit/>
+            </a:bodyPr>
+            <a:lstStyle/>
+            <a:p>
+              <a:pPr algn="ctr"/>
+              <a:r>
+                <a:rPr lang="en-US" dirty="0"/>
+                <a:t>Nickel Worth</a:t>
+              </a:r>
+            </a:p>
+          </p:txBody>
+        </p:sp>
+      </p:grpSp>
+      <p:grpSp>
+        <p:nvGrpSpPr>
+          <p:cNvPr id="77" name="Group 76">
+            <a:extLst>
+              <a:ext uri="{FF2B5EF4-FFF2-40B4-BE49-F238E27FC236}">
+                <a16:creationId xmlns:a16="http://schemas.microsoft.com/office/drawing/2014/main" id="{231B17F5-23CF-2B79-E0B7-77A1EFA4B6B4}"/>
+              </a:ext>
+            </a:extLst>
+          </p:cNvPr>
+          <p:cNvGrpSpPr/>
+          <p:nvPr/>
+        </p:nvGrpSpPr>
+        <p:grpSpPr>
+          <a:xfrm>
+            <a:off x="7884215" y="2276359"/>
+            <a:ext cx="1621617" cy="803170"/>
+            <a:chOff x="7947278" y="342458"/>
+            <a:chExt cx="1621617" cy="803170"/>
+          </a:xfrm>
+        </p:grpSpPr>
+        <p:sp>
+          <p:nvSpPr>
+            <p:cNvPr id="78" name="TextBox 77">
+              <a:extLst>
+                <a:ext uri="{FF2B5EF4-FFF2-40B4-BE49-F238E27FC236}">
+                  <a16:creationId xmlns:a16="http://schemas.microsoft.com/office/drawing/2014/main" id="{70687F51-549B-CEF9-7027-A8F0D0673D32}"/>
+                </a:ext>
+              </a:extLst>
+            </p:cNvPr>
+            <p:cNvSpPr txBox="1"/>
+            <p:nvPr/>
+          </p:nvSpPr>
+          <p:spPr>
+            <a:xfrm>
+              <a:off x="7951762" y="346939"/>
+              <a:ext cx="1612652" cy="798689"/>
+            </a:xfrm>
+            <a:prstGeom prst="rect">
+              <a:avLst/>
+            </a:prstGeom>
+            <a:noFill/>
+            <a:ln>
+              <a:solidFill>
+                <a:schemeClr val="tx1"/>
+              </a:solidFill>
+            </a:ln>
+          </p:spPr>
+          <p:txBody>
+            <a:bodyPr wrap="square" rtlCol="0">
+              <a:spAutoFit/>
+            </a:bodyPr>
+            <a:lstStyle/>
+            <a:p>
+              <a:endParaRPr lang="en-US" dirty="0"/>
+            </a:p>
+          </p:txBody>
+        </p:sp>
+        <p:sp>
+          <p:nvSpPr>
+            <p:cNvPr id="79" name="TextBox 78">
+              <a:extLst>
+                <a:ext uri="{FF2B5EF4-FFF2-40B4-BE49-F238E27FC236}">
+                  <a16:creationId xmlns:a16="http://schemas.microsoft.com/office/drawing/2014/main" id="{9AE52C5A-462D-94EC-DBD3-6644997E1216}"/>
+                </a:ext>
+              </a:extLst>
+            </p:cNvPr>
+            <p:cNvSpPr txBox="1"/>
+            <p:nvPr/>
+          </p:nvSpPr>
+          <p:spPr>
+            <a:xfrm>
+              <a:off x="7947278" y="342458"/>
+              <a:ext cx="1621617" cy="369332"/>
+            </a:xfrm>
+            <a:prstGeom prst="rect">
+              <a:avLst/>
+            </a:prstGeom>
+            <a:noFill/>
+            <a:ln>
+              <a:solidFill>
+                <a:schemeClr val="tx1"/>
+              </a:solidFill>
+            </a:ln>
+          </p:spPr>
+          <p:txBody>
+            <a:bodyPr wrap="square" rtlCol="0">
+              <a:spAutoFit/>
+            </a:bodyPr>
+            <a:lstStyle/>
+            <a:p>
+              <a:pPr algn="ctr"/>
+              <a:r>
+                <a:rPr lang="en-US" dirty="0"/>
+                <a:t>Dime Worth</a:t>
+              </a:r>
+            </a:p>
+          </p:txBody>
+        </p:sp>
+      </p:grpSp>
+      <p:cxnSp>
+        <p:nvCxnSpPr>
+          <p:cNvPr id="80" name="Straight Arrow Connector 79">
+            <a:extLst>
+              <a:ext uri="{FF2B5EF4-FFF2-40B4-BE49-F238E27FC236}">
+                <a16:creationId xmlns:a16="http://schemas.microsoft.com/office/drawing/2014/main" id="{F584BC94-59FF-3FC0-03AB-9FEEC836AE37}"/>
+              </a:ext>
+            </a:extLst>
+          </p:cNvPr>
+          <p:cNvCxnSpPr>
+            <a:cxnSpLocks/>
+            <a:stCxn id="17" idx="3"/>
+            <a:endCxn id="72" idx="1"/>
+          </p:cNvCxnSpPr>
+          <p:nvPr/>
+        </p:nvCxnSpPr>
+        <p:spPr>
+          <a:xfrm flipV="1">
+            <a:off x="6600496" y="772560"/>
+            <a:ext cx="1282948" cy="269090"/>
+          </a:xfrm>
+          <a:prstGeom prst="straightConnector1">
+            <a:avLst/>
+          </a:prstGeom>
+          <a:ln>
+            <a:solidFill>
+              <a:schemeClr val="tx1"/>
+            </a:solidFill>
+            <a:tailEnd type="triangle"/>
+          </a:ln>
+        </p:spPr>
+        <p:style>
+          <a:lnRef idx="1">
+            <a:schemeClr val="accent1"/>
+          </a:lnRef>
+          <a:fillRef idx="0">
+            <a:schemeClr val="accent1"/>
+          </a:fillRef>
+          <a:effectRef idx="0">
+            <a:schemeClr val="accent1"/>
+          </a:effectRef>
+          <a:fontRef idx="minor">
+            <a:schemeClr val="tx1"/>
+          </a:fontRef>
+        </p:style>
+      </p:cxnSp>
+      <p:cxnSp>
+        <p:nvCxnSpPr>
+          <p:cNvPr id="87" name="Straight Arrow Connector 86">
+            <a:extLst>
+              <a:ext uri="{FF2B5EF4-FFF2-40B4-BE49-F238E27FC236}">
+                <a16:creationId xmlns:a16="http://schemas.microsoft.com/office/drawing/2014/main" id="{B6E7573C-0D2D-40FD-05E8-9F2D962D9A60}"/>
+              </a:ext>
+            </a:extLst>
+          </p:cNvPr>
+          <p:cNvCxnSpPr>
+            <a:cxnSpLocks/>
+            <a:endCxn id="75" idx="1"/>
+          </p:cNvCxnSpPr>
+          <p:nvPr/>
+        </p:nvCxnSpPr>
+        <p:spPr>
+          <a:xfrm>
+            <a:off x="6621517" y="1587062"/>
+            <a:ext cx="1251416" cy="152450"/>
+          </a:xfrm>
+          <a:prstGeom prst="straightConnector1">
+            <a:avLst/>
+          </a:prstGeom>
+          <a:ln>
+            <a:solidFill>
+              <a:schemeClr val="tx1"/>
+            </a:solidFill>
+            <a:tailEnd type="triangle"/>
+          </a:ln>
+        </p:spPr>
+        <p:style>
+          <a:lnRef idx="1">
+            <a:schemeClr val="accent1"/>
+          </a:lnRef>
+          <a:fillRef idx="0">
+            <a:schemeClr val="accent1"/>
+          </a:fillRef>
+          <a:effectRef idx="0">
+            <a:schemeClr val="accent1"/>
+          </a:effectRef>
+          <a:fontRef idx="minor">
+            <a:schemeClr val="tx1"/>
+          </a:fontRef>
+        </p:style>
+      </p:cxnSp>
+      <p:cxnSp>
+        <p:nvCxnSpPr>
+          <p:cNvPr id="90" name="Straight Arrow Connector 89">
+            <a:extLst>
+              <a:ext uri="{FF2B5EF4-FFF2-40B4-BE49-F238E27FC236}">
+                <a16:creationId xmlns:a16="http://schemas.microsoft.com/office/drawing/2014/main" id="{DAE32DDB-9CB5-6572-F282-9C93B01C02AE}"/>
+              </a:ext>
+            </a:extLst>
+          </p:cNvPr>
+          <p:cNvCxnSpPr>
+            <a:cxnSpLocks/>
+            <a:endCxn id="78" idx="1"/>
+          </p:cNvCxnSpPr>
+          <p:nvPr/>
+        </p:nvCxnSpPr>
+        <p:spPr>
+          <a:xfrm>
+            <a:off x="6632028" y="2165131"/>
+            <a:ext cx="1256671" cy="515054"/>
+          </a:xfrm>
+          <a:prstGeom prst="straightConnector1">
+            <a:avLst/>
+          </a:prstGeom>
+          <a:ln>
+            <a:solidFill>
+              <a:schemeClr val="tx1"/>
+            </a:solidFill>
+            <a:tailEnd type="triangle"/>
+          </a:ln>
+        </p:spPr>
+        <p:style>
+          <a:lnRef idx="1">
+            <a:schemeClr val="accent1"/>
+          </a:lnRef>
+          <a:fillRef idx="0">
+            <a:schemeClr val="accent1"/>
+          </a:fillRef>
+          <a:effectRef idx="0">
+            <a:schemeClr val="accent1"/>
+          </a:effectRef>
+          <a:fontRef idx="minor">
+            <a:schemeClr val="tx1"/>
+          </a:fontRef>
+        </p:style>
+      </p:cxnSp>
+      <p:cxnSp>
+        <p:nvCxnSpPr>
+          <p:cNvPr id="91" name="Straight Arrow Connector 90">
+            <a:extLst>
+              <a:ext uri="{FF2B5EF4-FFF2-40B4-BE49-F238E27FC236}">
+                <a16:creationId xmlns:a16="http://schemas.microsoft.com/office/drawing/2014/main" id="{D6AF18D6-25D9-CD50-C061-09E6F4DCEE46}"/>
+              </a:ext>
+            </a:extLst>
+          </p:cNvPr>
+          <p:cNvCxnSpPr>
+            <a:cxnSpLocks/>
+            <a:endCxn id="54" idx="1"/>
+          </p:cNvCxnSpPr>
+          <p:nvPr/>
+        </p:nvCxnSpPr>
+        <p:spPr>
+          <a:xfrm>
+            <a:off x="6632028" y="2722179"/>
+            <a:ext cx="1246160" cy="914451"/>
+          </a:xfrm>
+          <a:prstGeom prst="straightConnector1">
+            <a:avLst/>
+          </a:prstGeom>
+          <a:ln>
+            <a:solidFill>
+              <a:schemeClr val="tx1"/>
+            </a:solidFill>
+            <a:tailEnd type="triangle"/>
+          </a:ln>
+        </p:spPr>
+        <p:style>
+          <a:lnRef idx="1">
+            <a:schemeClr val="accent1"/>
+          </a:lnRef>
+          <a:fillRef idx="0">
+            <a:schemeClr val="accent1"/>
+          </a:fillRef>
+          <a:effectRef idx="0">
+            <a:schemeClr val="accent1"/>
+          </a:effectRef>
+          <a:fontRef idx="minor">
+            <a:schemeClr val="tx1"/>
+          </a:fontRef>
+        </p:style>
+      </p:cxnSp>
+      <p:cxnSp>
+        <p:nvCxnSpPr>
+          <p:cNvPr id="97" name="Elbow Connector 96">
+            <a:extLst>
+              <a:ext uri="{FF2B5EF4-FFF2-40B4-BE49-F238E27FC236}">
+                <a16:creationId xmlns:a16="http://schemas.microsoft.com/office/drawing/2014/main" id="{081EDE2F-BE33-4C8A-814B-8D2B5BA05AD1}"/>
+              </a:ext>
+            </a:extLst>
+          </p:cNvPr>
+          <p:cNvCxnSpPr>
+            <a:stCxn id="54" idx="2"/>
+            <a:endCxn id="16" idx="2"/>
+          </p:cNvCxnSpPr>
+          <p:nvPr/>
+        </p:nvCxnSpPr>
+        <p:spPr>
+          <a:xfrm rot="5400000" flipH="1">
+            <a:off x="6946137" y="2297598"/>
+            <a:ext cx="888207" cy="2588546"/>
+          </a:xfrm>
+          <a:prstGeom prst="bentConnector3">
+            <a:avLst>
+              <a:gd name="adj1" fmla="val -25737"/>
+            </a:avLst>
+          </a:prstGeom>
+          <a:ln>
+            <a:solidFill>
+              <a:schemeClr val="tx1"/>
+            </a:solidFill>
+            <a:tailEnd type="triangle"/>
+          </a:ln>
+        </p:spPr>
+        <p:style>
+          <a:lnRef idx="1">
+            <a:schemeClr val="accent1"/>
+          </a:lnRef>
+          <a:fillRef idx="0">
+            <a:schemeClr val="accent1"/>
+          </a:fillRef>
+          <a:effectRef idx="0">
+            <a:schemeClr val="accent1"/>
+          </a:effectRef>
+          <a:fontRef idx="minor">
+            <a:schemeClr val="tx1"/>
+          </a:fontRef>
+        </p:style>
+      </p:cxnSp>
+      <p:grpSp>
+        <p:nvGrpSpPr>
+          <p:cNvPr id="102" name="Group 101">
+            <a:extLst>
+              <a:ext uri="{FF2B5EF4-FFF2-40B4-BE49-F238E27FC236}">
+                <a16:creationId xmlns:a16="http://schemas.microsoft.com/office/drawing/2014/main" id="{FC1D86B8-99B8-9BD1-882C-AFA959D0A895}"/>
+              </a:ext>
+            </a:extLst>
+          </p:cNvPr>
+          <p:cNvGrpSpPr/>
+          <p:nvPr/>
+        </p:nvGrpSpPr>
+        <p:grpSpPr>
+          <a:xfrm>
+            <a:off x="2514600" y="799658"/>
+            <a:ext cx="2020767" cy="2354977"/>
+            <a:chOff x="2514600" y="799658"/>
+            <a:chExt cx="2020767" cy="2354977"/>
+          </a:xfrm>
+        </p:grpSpPr>
+        <p:sp>
+          <p:nvSpPr>
+            <p:cNvPr id="15" name="TextBox 14">
+              <a:extLst>
+                <a:ext uri="{FF2B5EF4-FFF2-40B4-BE49-F238E27FC236}">
+                  <a16:creationId xmlns:a16="http://schemas.microsoft.com/office/drawing/2014/main" id="{404C44D3-C5B5-1F3F-2B6B-A263B8CC1086}"/>
+                </a:ext>
+              </a:extLst>
+            </p:cNvPr>
+            <p:cNvSpPr txBox="1"/>
+            <p:nvPr/>
+          </p:nvSpPr>
+          <p:spPr>
+            <a:xfrm>
+              <a:off x="2514600" y="806526"/>
+              <a:ext cx="2016286" cy="2348109"/>
+            </a:xfrm>
+            <a:prstGeom prst="rect">
+              <a:avLst/>
+            </a:prstGeom>
+            <a:noFill/>
+            <a:ln>
+              <a:solidFill>
+                <a:schemeClr val="tx1"/>
+              </a:solidFill>
+            </a:ln>
+          </p:spPr>
+          <p:txBody>
+            <a:bodyPr wrap="square" rtlCol="0">
+              <a:spAutoFit/>
+            </a:bodyPr>
+            <a:lstStyle/>
+            <a:p>
+              <a:endParaRPr lang="en-US" dirty="0"/>
+            </a:p>
+          </p:txBody>
+        </p:sp>
+        <p:sp>
+          <p:nvSpPr>
+            <p:cNvPr id="18" name="TextBox 17">
+              <a:extLst>
+                <a:ext uri="{FF2B5EF4-FFF2-40B4-BE49-F238E27FC236}">
+                  <a16:creationId xmlns:a16="http://schemas.microsoft.com/office/drawing/2014/main" id="{0B550C43-A381-E1EE-B37B-EAD706A39D4D}"/>
+                </a:ext>
+              </a:extLst>
+            </p:cNvPr>
+            <p:cNvSpPr txBox="1"/>
+            <p:nvPr/>
+          </p:nvSpPr>
+          <p:spPr>
+            <a:xfrm>
+              <a:off x="2514600" y="799658"/>
+              <a:ext cx="2020767" cy="369332"/>
+            </a:xfrm>
+            <a:prstGeom prst="rect">
+              <a:avLst/>
+            </a:prstGeom>
+            <a:noFill/>
+            <a:ln>
+              <a:solidFill>
+                <a:schemeClr val="tx1"/>
+              </a:solidFill>
+            </a:ln>
+          </p:spPr>
+          <p:txBody>
+            <a:bodyPr wrap="square" rtlCol="0">
+              <a:spAutoFit/>
+            </a:bodyPr>
+            <a:lstStyle/>
+            <a:p>
+              <a:pPr algn="ctr"/>
+              <a:endParaRPr lang="en-US" dirty="0"/>
+            </a:p>
+          </p:txBody>
+        </p:sp>
+        <p:sp>
+          <p:nvSpPr>
+            <p:cNvPr id="19" name="TextBox 18">
+              <a:extLst>
+                <a:ext uri="{FF2B5EF4-FFF2-40B4-BE49-F238E27FC236}">
+                  <a16:creationId xmlns:a16="http://schemas.microsoft.com/office/drawing/2014/main" id="{AA320EDD-A6E5-789B-8D00-0C7376F95354}"/>
+                </a:ext>
+              </a:extLst>
+            </p:cNvPr>
+            <p:cNvSpPr txBox="1"/>
+            <p:nvPr/>
+          </p:nvSpPr>
+          <p:spPr>
+            <a:xfrm>
+              <a:off x="2712253" y="1352108"/>
+              <a:ext cx="1129120" cy="307777"/>
+            </a:xfrm>
+            <a:prstGeom prst="rect">
+              <a:avLst/>
+            </a:prstGeom>
+            <a:noFill/>
+            <a:ln>
+              <a:solidFill>
+                <a:schemeClr val="tx1"/>
+              </a:solidFill>
+            </a:ln>
+          </p:spPr>
+          <p:txBody>
+            <a:bodyPr wrap="square" rtlCol="0">
+              <a:spAutoFit/>
+            </a:bodyPr>
+            <a:lstStyle/>
+            <a:p>
+              <a:pPr algn="ctr"/>
+              <a:r>
+                <a:rPr lang="en-US" sz="1400" dirty="0"/>
+                <a:t>Minimum</a:t>
+              </a:r>
+            </a:p>
+          </p:txBody>
+        </p:sp>
+        <p:sp>
+          <p:nvSpPr>
+            <p:cNvPr id="24" name="TextBox 23">
+              <a:extLst>
+                <a:ext uri="{FF2B5EF4-FFF2-40B4-BE49-F238E27FC236}">
+                  <a16:creationId xmlns:a16="http://schemas.microsoft.com/office/drawing/2014/main" id="{F473CD8D-6CB5-72F5-073A-5478FA96A49B}"/>
+                </a:ext>
+              </a:extLst>
+            </p:cNvPr>
+            <p:cNvSpPr txBox="1"/>
+            <p:nvPr/>
+          </p:nvSpPr>
+          <p:spPr>
+            <a:xfrm>
+              <a:off x="2712253" y="1875981"/>
+              <a:ext cx="1129120" cy="307777"/>
+            </a:xfrm>
+            <a:prstGeom prst="rect">
+              <a:avLst/>
+            </a:prstGeom>
+            <a:noFill/>
+            <a:ln>
+              <a:solidFill>
+                <a:schemeClr val="tx1"/>
+              </a:solidFill>
+            </a:ln>
+          </p:spPr>
+          <p:txBody>
+            <a:bodyPr wrap="square" rtlCol="0">
+              <a:spAutoFit/>
+            </a:bodyPr>
+            <a:lstStyle/>
+            <a:p>
+              <a:pPr algn="ctr"/>
+              <a:r>
+                <a:rPr lang="en-US" sz="1400" dirty="0"/>
+                <a:t>Finite</a:t>
+              </a:r>
+            </a:p>
+          </p:txBody>
+        </p:sp>
+        <p:sp>
+          <p:nvSpPr>
+            <p:cNvPr id="25" name="TextBox 24">
+              <a:extLst>
+                <a:ext uri="{FF2B5EF4-FFF2-40B4-BE49-F238E27FC236}">
+                  <a16:creationId xmlns:a16="http://schemas.microsoft.com/office/drawing/2014/main" id="{0B62FC8E-923C-88E6-7FA7-BD22F16EA721}"/>
+                </a:ext>
+              </a:extLst>
+            </p:cNvPr>
+            <p:cNvSpPr txBox="1"/>
+            <p:nvPr/>
+          </p:nvSpPr>
+          <p:spPr>
+            <a:xfrm>
+              <a:off x="2712253" y="2361596"/>
+              <a:ext cx="1109083" cy="307777"/>
+            </a:xfrm>
+            <a:prstGeom prst="rect">
+              <a:avLst/>
+            </a:prstGeom>
+            <a:noFill/>
+            <a:ln>
+              <a:solidFill>
+                <a:schemeClr val="tx1"/>
+              </a:solidFill>
+            </a:ln>
+          </p:spPr>
+          <p:txBody>
+            <a:bodyPr wrap="square" rtlCol="0">
+              <a:spAutoFit/>
+            </a:bodyPr>
+            <a:lstStyle/>
+            <a:p>
+              <a:pPr algn="ctr"/>
+              <a:r>
+                <a:rPr lang="en-US" sz="1400" dirty="0"/>
+                <a:t>Maximum</a:t>
+              </a:r>
+            </a:p>
+          </p:txBody>
+        </p:sp>
+        <p:sp>
+          <p:nvSpPr>
+            <p:cNvPr id="23" name="TextBox 22">
+              <a:extLst>
+                <a:ext uri="{FF2B5EF4-FFF2-40B4-BE49-F238E27FC236}">
+                  <a16:creationId xmlns:a16="http://schemas.microsoft.com/office/drawing/2014/main" id="{9D286090-DD5C-1675-58F8-1CD23888F034}"/>
+                </a:ext>
+              </a:extLst>
+            </p:cNvPr>
+            <p:cNvSpPr txBox="1"/>
+            <p:nvPr/>
+          </p:nvSpPr>
+          <p:spPr>
+            <a:xfrm>
+              <a:off x="2707000" y="851336"/>
+              <a:ext cx="1127303" cy="276999"/>
+            </a:xfrm>
+            <a:prstGeom prst="rect">
+              <a:avLst/>
+            </a:prstGeom>
+            <a:noFill/>
+            <a:ln>
+              <a:solidFill>
+                <a:schemeClr val="tx1"/>
+              </a:solidFill>
+            </a:ln>
+          </p:spPr>
+          <p:txBody>
+            <a:bodyPr wrap="square" rtlCol="0">
+              <a:spAutoFit/>
+            </a:bodyPr>
+            <a:lstStyle/>
+            <a:p>
+              <a:pPr algn="ctr"/>
+              <a:r>
+                <a:rPr lang="en-US" sz="1200" dirty="0"/>
+                <a:t>Make Change</a:t>
+              </a:r>
+              <a:endParaRPr lang="en-US" sz="2000" dirty="0"/>
+            </a:p>
+          </p:txBody>
+        </p:sp>
+        <p:sp>
+          <p:nvSpPr>
+            <p:cNvPr id="98" name="TextBox 97">
+              <a:extLst>
+                <a:ext uri="{FF2B5EF4-FFF2-40B4-BE49-F238E27FC236}">
+                  <a16:creationId xmlns:a16="http://schemas.microsoft.com/office/drawing/2014/main" id="{6AD4E6E0-B9F5-23FC-B826-A36EAE455620}"/>
+                </a:ext>
+              </a:extLst>
+            </p:cNvPr>
+            <p:cNvSpPr txBox="1"/>
+            <p:nvPr/>
+          </p:nvSpPr>
+          <p:spPr>
+            <a:xfrm>
+              <a:off x="3943350" y="842963"/>
+              <a:ext cx="471487" cy="276999"/>
+            </a:xfrm>
+            <a:prstGeom prst="rect">
+              <a:avLst/>
+            </a:prstGeom>
+            <a:noFill/>
+            <a:ln>
+              <a:solidFill>
+                <a:schemeClr val="tx1"/>
+              </a:solidFill>
+            </a:ln>
+          </p:spPr>
+          <p:txBody>
+            <a:bodyPr wrap="square" rtlCol="0">
+              <a:spAutoFit/>
+            </a:bodyPr>
+            <a:lstStyle/>
+            <a:p>
+              <a:r>
+                <a:rPr lang="en-US" sz="1200" dirty="0"/>
+                <a:t>Help</a:t>
+              </a:r>
+              <a:endParaRPr lang="en-US" sz="1400" dirty="0"/>
+            </a:p>
+          </p:txBody>
+        </p:sp>
+        <p:sp>
+          <p:nvSpPr>
+            <p:cNvPr id="99" name="TextBox 98">
+              <a:extLst>
+                <a:ext uri="{FF2B5EF4-FFF2-40B4-BE49-F238E27FC236}">
+                  <a16:creationId xmlns:a16="http://schemas.microsoft.com/office/drawing/2014/main" id="{752D1BF2-4106-5DB6-F1B7-7AC5B38BC0CE}"/>
+                </a:ext>
+              </a:extLst>
+            </p:cNvPr>
+            <p:cNvSpPr txBox="1"/>
+            <p:nvPr/>
+          </p:nvSpPr>
+          <p:spPr>
+            <a:xfrm>
+              <a:off x="3938582" y="1366839"/>
+              <a:ext cx="471487" cy="276999"/>
+            </a:xfrm>
+            <a:prstGeom prst="rect">
+              <a:avLst/>
+            </a:prstGeom>
+            <a:noFill/>
+            <a:ln>
+              <a:solidFill>
+                <a:schemeClr val="tx1"/>
+              </a:solidFill>
+            </a:ln>
+          </p:spPr>
+          <p:txBody>
+            <a:bodyPr wrap="square" rtlCol="0">
+              <a:spAutoFit/>
+            </a:bodyPr>
+            <a:lstStyle/>
+            <a:p>
+              <a:r>
+                <a:rPr lang="en-US" sz="1200" dirty="0"/>
+                <a:t>Help</a:t>
+              </a:r>
+              <a:endParaRPr lang="en-US" sz="1400" dirty="0"/>
+            </a:p>
+          </p:txBody>
+        </p:sp>
+        <p:sp>
+          <p:nvSpPr>
+            <p:cNvPr id="100" name="TextBox 99">
+              <a:extLst>
+                <a:ext uri="{FF2B5EF4-FFF2-40B4-BE49-F238E27FC236}">
+                  <a16:creationId xmlns:a16="http://schemas.microsoft.com/office/drawing/2014/main" id="{4B84AC0E-3ACF-A799-D5B9-BBB656099152}"/>
+                </a:ext>
+              </a:extLst>
+            </p:cNvPr>
+            <p:cNvSpPr txBox="1"/>
+            <p:nvPr/>
+          </p:nvSpPr>
+          <p:spPr>
+            <a:xfrm>
+              <a:off x="3938582" y="1905003"/>
+              <a:ext cx="471487" cy="276999"/>
+            </a:xfrm>
+            <a:prstGeom prst="rect">
+              <a:avLst/>
+            </a:prstGeom>
+            <a:noFill/>
+            <a:ln>
+              <a:solidFill>
+                <a:schemeClr val="tx1"/>
+              </a:solidFill>
+            </a:ln>
+          </p:spPr>
+          <p:txBody>
+            <a:bodyPr wrap="square" rtlCol="0">
+              <a:spAutoFit/>
+            </a:bodyPr>
+            <a:lstStyle/>
+            <a:p>
+              <a:r>
+                <a:rPr lang="en-US" sz="1200" dirty="0"/>
+                <a:t>Help</a:t>
+              </a:r>
+              <a:endParaRPr lang="en-US" sz="1400" dirty="0"/>
+            </a:p>
+          </p:txBody>
+        </p:sp>
+        <p:sp>
+          <p:nvSpPr>
+            <p:cNvPr id="101" name="TextBox 100">
+              <a:extLst>
+                <a:ext uri="{FF2B5EF4-FFF2-40B4-BE49-F238E27FC236}">
+                  <a16:creationId xmlns:a16="http://schemas.microsoft.com/office/drawing/2014/main" id="{C1043E7E-EEF3-3739-9966-ECB00E45B3D2}"/>
+                </a:ext>
+              </a:extLst>
+            </p:cNvPr>
+            <p:cNvSpPr txBox="1"/>
+            <p:nvPr/>
+          </p:nvSpPr>
+          <p:spPr>
+            <a:xfrm>
+              <a:off x="3938582" y="2371733"/>
+              <a:ext cx="471487" cy="276999"/>
+            </a:xfrm>
+            <a:prstGeom prst="rect">
+              <a:avLst/>
+            </a:prstGeom>
+            <a:noFill/>
+            <a:ln>
+              <a:solidFill>
+                <a:schemeClr val="tx1"/>
+              </a:solidFill>
+            </a:ln>
+          </p:spPr>
+          <p:txBody>
+            <a:bodyPr wrap="square" rtlCol="0">
+              <a:spAutoFit/>
+            </a:bodyPr>
+            <a:lstStyle/>
+            <a:p>
+              <a:r>
+                <a:rPr lang="en-US" sz="1200" dirty="0"/>
+                <a:t>Help</a:t>
+              </a:r>
+              <a:endParaRPr lang="en-US" sz="1400" dirty="0"/>
+            </a:p>
+          </p:txBody>
+        </p:sp>
+      </p:grpSp>
+      <p:cxnSp>
+        <p:nvCxnSpPr>
+          <p:cNvPr id="104" name="Elbow Connector 103">
+            <a:extLst>
+              <a:ext uri="{FF2B5EF4-FFF2-40B4-BE49-F238E27FC236}">
+                <a16:creationId xmlns:a16="http://schemas.microsoft.com/office/drawing/2014/main" id="{4108C881-F2DE-3AA1-F5AE-0177DBADBD7D}"/>
+              </a:ext>
+            </a:extLst>
+          </p:cNvPr>
+          <p:cNvCxnSpPr>
+            <a:cxnSpLocks/>
+            <a:stCxn id="101" idx="2"/>
+            <a:endCxn id="3" idx="0"/>
+          </p:cNvCxnSpPr>
+          <p:nvPr/>
+        </p:nvCxnSpPr>
+        <p:spPr>
+          <a:xfrm rot="16200000" flipH="1">
+            <a:off x="4107550" y="2715508"/>
+            <a:ext cx="915147" cy="781594"/>
+          </a:xfrm>
+          <a:prstGeom prst="bentConnector3">
+            <a:avLst>
+              <a:gd name="adj1" fmla="val 70296"/>
+            </a:avLst>
+          </a:prstGeom>
+          <a:ln>
+            <a:solidFill>
+              <a:schemeClr val="tx1"/>
+            </a:solidFill>
+            <a:tailEnd type="triangle"/>
+          </a:ln>
+        </p:spPr>
+        <p:style>
+          <a:lnRef idx="1">
+            <a:schemeClr val="accent1"/>
+          </a:lnRef>
+          <a:fillRef idx="0">
+            <a:schemeClr val="accent1"/>
+          </a:fillRef>
+          <a:effectRef idx="0">
+            <a:schemeClr val="accent1"/>
+          </a:effectRef>
+          <a:fontRef idx="minor">
+            <a:schemeClr val="tx1"/>
+          </a:fontRef>
+        </p:style>
+      </p:cxnSp>
+      <p:sp>
+        <p:nvSpPr>
+          <p:cNvPr id="108" name="Title 1">
+            <a:extLst>
+              <a:ext uri="{FF2B5EF4-FFF2-40B4-BE49-F238E27FC236}">
+                <a16:creationId xmlns:a16="http://schemas.microsoft.com/office/drawing/2014/main" id="{72CB2F62-BFDC-BD63-1757-A9782A504F58}"/>
+              </a:ext>
+            </a:extLst>
+          </p:cNvPr>
+          <p:cNvSpPr>
+            <a:spLocks noGrp="1"/>
+          </p:cNvSpPr>
+          <p:nvPr>
+            <p:ph type="title"/>
+          </p:nvPr>
+        </p:nvSpPr>
+        <p:spPr>
+          <a:xfrm>
+            <a:off x="252413" y="407988"/>
+            <a:ext cx="1862137" cy="949325"/>
+          </a:xfrm>
+        </p:spPr>
+        <p:txBody>
+          <a:bodyPr anchor="t">
+            <a:normAutofit/>
+          </a:bodyPr>
+          <a:lstStyle/>
+          <a:p>
+            <a:r>
+              <a:rPr lang="en-US" sz="1800" dirty="0"/>
+              <a:t>Index Page State Transitions</a:t>
+            </a:r>
+            <a:endParaRPr lang="en-US" sz="1800" dirty="0">
+              <a:solidFill>
+                <a:srgbClr val="FF0000"/>
+              </a:solidFill>
+            </a:endParaRPr>
+          </a:p>
+        </p:txBody>
+      </p:sp>
+      <p:grpSp>
+        <p:nvGrpSpPr>
+          <p:cNvPr id="109" name="Group 108">
+            <a:extLst>
+              <a:ext uri="{FF2B5EF4-FFF2-40B4-BE49-F238E27FC236}">
+                <a16:creationId xmlns:a16="http://schemas.microsoft.com/office/drawing/2014/main" id="{8A23AE4A-2C58-466D-7F10-20BFCBC76850}"/>
+              </a:ext>
+            </a:extLst>
+          </p:cNvPr>
+          <p:cNvGrpSpPr/>
+          <p:nvPr/>
+        </p:nvGrpSpPr>
+        <p:grpSpPr>
+          <a:xfrm>
+            <a:off x="1624030" y="3573404"/>
+            <a:ext cx="2039383" cy="2352590"/>
+            <a:chOff x="2500313" y="3563879"/>
+            <a:chExt cx="2039383" cy="2352590"/>
+          </a:xfrm>
+        </p:grpSpPr>
+        <p:sp>
+          <p:nvSpPr>
+            <p:cNvPr id="110" name="TextBox 109">
+              <a:extLst>
+                <a:ext uri="{FF2B5EF4-FFF2-40B4-BE49-F238E27FC236}">
+                  <a16:creationId xmlns:a16="http://schemas.microsoft.com/office/drawing/2014/main" id="{F06711CE-17DB-C390-6245-86AF1006429F}"/>
+                </a:ext>
+              </a:extLst>
+            </p:cNvPr>
+            <p:cNvSpPr txBox="1"/>
+            <p:nvPr/>
+          </p:nvSpPr>
+          <p:spPr>
+            <a:xfrm>
+              <a:off x="2500313" y="3568360"/>
+              <a:ext cx="2039383" cy="2348109"/>
+            </a:xfrm>
+            <a:prstGeom prst="rect">
+              <a:avLst/>
+            </a:prstGeom>
+            <a:noFill/>
+            <a:ln>
+              <a:solidFill>
+                <a:schemeClr val="tx1"/>
+              </a:solidFill>
+            </a:ln>
+          </p:spPr>
+          <p:txBody>
+            <a:bodyPr wrap="square" rtlCol="0">
+              <a:spAutoFit/>
+            </a:bodyPr>
+            <a:lstStyle/>
+            <a:p>
+              <a:endParaRPr lang="en-US" dirty="0"/>
+            </a:p>
+          </p:txBody>
+        </p:sp>
+        <p:sp>
+          <p:nvSpPr>
+            <p:cNvPr id="111" name="TextBox 110">
+              <a:extLst>
+                <a:ext uri="{FF2B5EF4-FFF2-40B4-BE49-F238E27FC236}">
+                  <a16:creationId xmlns:a16="http://schemas.microsoft.com/office/drawing/2014/main" id="{47B333FA-58A2-6E5A-D753-9D329DD8B687}"/>
+                </a:ext>
+              </a:extLst>
+            </p:cNvPr>
+            <p:cNvSpPr txBox="1"/>
+            <p:nvPr/>
+          </p:nvSpPr>
+          <p:spPr>
+            <a:xfrm>
+              <a:off x="2514600" y="3563879"/>
+              <a:ext cx="2025095" cy="369332"/>
+            </a:xfrm>
+            <a:prstGeom prst="rect">
+              <a:avLst/>
+            </a:prstGeom>
+            <a:noFill/>
+            <a:ln>
+              <a:solidFill>
+                <a:schemeClr val="tx1"/>
+              </a:solidFill>
+            </a:ln>
+          </p:spPr>
+          <p:txBody>
+            <a:bodyPr wrap="square" rtlCol="0">
+              <a:spAutoFit/>
+            </a:bodyPr>
+            <a:lstStyle/>
+            <a:p>
+              <a:pPr algn="ctr"/>
+              <a:r>
+                <a:rPr lang="en-US" dirty="0"/>
+                <a:t>GAME/PLAY </a:t>
+              </a:r>
+            </a:p>
+          </p:txBody>
+        </p:sp>
+      </p:grpSp>
+      <p:cxnSp>
+        <p:nvCxnSpPr>
+          <p:cNvPr id="112" name="Elbow Connector 111">
+            <a:extLst>
+              <a:ext uri="{FF2B5EF4-FFF2-40B4-BE49-F238E27FC236}">
+                <a16:creationId xmlns:a16="http://schemas.microsoft.com/office/drawing/2014/main" id="{65928A40-4842-A9E8-0B19-A108890167F2}"/>
+              </a:ext>
+            </a:extLst>
+          </p:cNvPr>
+          <p:cNvCxnSpPr>
+            <a:cxnSpLocks/>
+            <a:stCxn id="25" idx="2"/>
+            <a:endCxn id="111" idx="0"/>
+          </p:cNvCxnSpPr>
+          <p:nvPr/>
+        </p:nvCxnSpPr>
+        <p:spPr>
+          <a:xfrm rot="5400000">
+            <a:off x="2506815" y="2813423"/>
+            <a:ext cx="904031" cy="615930"/>
+          </a:xfrm>
+          <a:prstGeom prst="bentConnector3">
+            <a:avLst>
+              <a:gd name="adj1" fmla="val 68965"/>
+            </a:avLst>
+          </a:prstGeom>
+          <a:ln>
+            <a:solidFill>
+              <a:schemeClr val="tx1"/>
+            </a:solidFill>
+            <a:tailEnd type="triangle"/>
+          </a:ln>
+        </p:spPr>
+        <p:style>
+          <a:lnRef idx="1">
+            <a:schemeClr val="accent1"/>
+          </a:lnRef>
+          <a:fillRef idx="0">
+            <a:schemeClr val="accent1"/>
+          </a:fillRef>
+          <a:effectRef idx="0">
+            <a:schemeClr val="accent1"/>
+          </a:effectRef>
+          <a:fontRef idx="minor">
+            <a:schemeClr val="tx1"/>
+          </a:fontRef>
+        </p:style>
+      </p:cxnSp>
+    </p:spTree>
+    <p:extLst>
+      <p:ext uri="{BB962C8B-B14F-4D97-AF65-F5344CB8AC3E}">
+        <p14:creationId xmlns:p14="http://schemas.microsoft.com/office/powerpoint/2010/main" val="1866134563"/>
+      </p:ext>
+    </p:extLst>
+  </p:cSld>
+  <p:clrMapOvr>
+    <a:masterClrMapping/>
+  </p:clrMapOvr>
+</p:sld>
+</file>
+
+<file path=ppt/slides/slide7.xml><?xml version="1.0" encoding="utf-8"?>
+<p:sld xmlns:a="http://schemas.openxmlformats.org/drawingml/2006/main" xmlns:r="http://schemas.openxmlformats.org/officeDocument/2006/relationships" xmlns:p="http://schemas.openxmlformats.org/presentationml/2006/main">
+  <p:cSld>
+    <p:spTree>
+      <p:nvGrpSpPr>
         <p:cNvPr id="1" name=""/>
         <p:cNvGrpSpPr/>
         <p:nvPr/>
@@ -7333,26 +9588,40 @@
         </p:nvSpPr>
         <p:spPr>
           <a:xfrm>
-            <a:off x="838200" y="365126"/>
-            <a:ext cx="2672255" cy="854074"/>
-          </a:xfrm>
-        </p:spPr>
-        <p:txBody>
-          <a:bodyPr>
+            <a:off x="838201" y="365125"/>
+            <a:ext cx="2476500" cy="1277937"/>
+          </a:xfrm>
+        </p:spPr>
+        <p:txBody>
+          <a:bodyPr anchor="t">
             <a:normAutofit/>
           </a:bodyPr>
           <a:lstStyle/>
           <a:p>
             <a:r>
-              <a:rPr lang="en-US" sz="1600" dirty="0"/>
+              <a:rPr lang="en-US" sz="1800" dirty="0"/>
               <a:t>Game Play</a:t>
             </a:r>
             <a:br>
-              <a:rPr lang="en-US" sz="1600" dirty="0"/>
+              <a:rPr lang="en-US" sz="1800" dirty="0"/>
             </a:br>
             <a:r>
-              <a:rPr lang="en-US" sz="1600" dirty="0"/>
-              <a:t>Problem State Transitions</a:t>
+              <a:rPr lang="en-US" sz="1800" dirty="0"/>
+              <a:t>State Transitions</a:t>
+            </a:r>
+            <a:br>
+              <a:rPr lang="en-US" sz="1800" dirty="0"/>
+            </a:br>
+            <a:br>
+              <a:rPr lang="en-US" sz="1800" dirty="0"/>
+            </a:br>
+            <a:r>
+              <a:rPr lang="en-US" sz="1800" dirty="0">
+                <a:solidFill>
+                  <a:srgbClr val="FF0000"/>
+                </a:solidFill>
+              </a:rPr>
+              <a:t>Red -&gt; User</a:t>
             </a:r>
           </a:p>
         </p:txBody>
@@ -8425,8 +10694,8 @@
         </p:nvSpPr>
         <p:spPr>
           <a:xfrm>
-            <a:off x="6095999" y="5787083"/>
-            <a:ext cx="2483225" cy="369332"/>
+            <a:off x="4367212" y="5687071"/>
+            <a:ext cx="1490663" cy="369332"/>
           </a:xfrm>
           <a:prstGeom prst="rect">
             <a:avLst/>
@@ -8445,7 +10714,7 @@
                   <a:srgbClr val="FF0000"/>
                 </a:solidFill>
               </a:rPr>
-              <a:t>&gt;=     Game Over</a:t>
+              <a:t>Game Over</a:t>
             </a:r>
           </a:p>
         </p:txBody>
@@ -8986,6 +11255,45 @@
           </a:fontRef>
         </p:style>
       </p:cxnSp>
+      <p:sp>
+        <p:nvSpPr>
+          <p:cNvPr id="8" name="TextBox 7">
+            <a:extLst>
+              <a:ext uri="{FF2B5EF4-FFF2-40B4-BE49-F238E27FC236}">
+                <a16:creationId xmlns:a16="http://schemas.microsoft.com/office/drawing/2014/main" id="{8411A4CE-F71D-8043-C7A6-DD7623E6CF9C}"/>
+              </a:ext>
+            </a:extLst>
+          </p:cNvPr>
+          <p:cNvSpPr txBox="1"/>
+          <p:nvPr/>
+        </p:nvSpPr>
+        <p:spPr>
+          <a:xfrm>
+            <a:off x="6134100" y="5639446"/>
+            <a:ext cx="423864" cy="369332"/>
+          </a:xfrm>
+          <a:prstGeom prst="rect">
+            <a:avLst/>
+          </a:prstGeom>
+          <a:noFill/>
+        </p:spPr>
+        <p:txBody>
+          <a:bodyPr wrap="square" rtlCol="0">
+            <a:spAutoFit/>
+          </a:bodyPr>
+          <a:lstStyle/>
+          <a:p>
+            <a:r>
+              <a:rPr lang="en-US" dirty="0">
+                <a:solidFill>
+                  <a:srgbClr val="FF0000"/>
+                </a:solidFill>
+              </a:rPr>
+              <a:t>&gt;= </a:t>
+            </a:r>
+          </a:p>
+        </p:txBody>
+      </p:sp>
     </p:spTree>
     <p:extLst>
       <p:ext uri="{BB962C8B-B14F-4D97-AF65-F5344CB8AC3E}">
@@ -8999,7 +11307,7 @@
 </p:sld>
 </file>
 
-<file path=ppt/slides/slide7.xml><?xml version="1.0" encoding="utf-8"?>
+<file path=ppt/slides/slide8.xml><?xml version="1.0" encoding="utf-8"?>
 <p:sld xmlns:a="http://schemas.openxmlformats.org/drawingml/2006/main" xmlns:r="http://schemas.openxmlformats.org/officeDocument/2006/relationships" xmlns:p="http://schemas.openxmlformats.org/presentationml/2006/main">
   <p:cSld>
     <p:spTree>
@@ -10855,7 +13163,7 @@
         </p:nvSpPr>
         <p:spPr>
           <a:xfrm>
-            <a:off x="989045" y="541175"/>
+            <a:off x="989045" y="812643"/>
             <a:ext cx="1474237" cy="373224"/>
           </a:xfrm>
           <a:prstGeom prst="rect">
@@ -10890,7 +13198,7 @@
         </p:nvSpPr>
         <p:spPr>
           <a:xfrm>
-            <a:off x="4926563" y="503853"/>
+            <a:off x="4926563" y="775321"/>
             <a:ext cx="2301551" cy="369332"/>
           </a:xfrm>
           <a:prstGeom prst="rect">
@@ -10925,7 +13233,7 @@
         </p:nvSpPr>
         <p:spPr>
           <a:xfrm>
-            <a:off x="8789437" y="447869"/>
+            <a:off x="8789437" y="719337"/>
             <a:ext cx="1567543" cy="369332"/>
           </a:xfrm>
           <a:prstGeom prst="rect">
@@ -11324,7 +13632,7 @@
               <a:pPr algn="ctr"/>
               <a:r>
                 <a:rPr lang="en-US" dirty="0"/>
-                <a:t>GAME</a:t>
+                <a:t>GAME/PLAY</a:t>
               </a:r>
             </a:p>
           </p:txBody>
@@ -11593,600 +13901,50 @@
           </a:fontRef>
         </p:style>
       </p:cxnSp>
+      <p:sp>
+        <p:nvSpPr>
+          <p:cNvPr id="23" name="Title 1">
+            <a:extLst>
+              <a:ext uri="{FF2B5EF4-FFF2-40B4-BE49-F238E27FC236}">
+                <a16:creationId xmlns:a16="http://schemas.microsoft.com/office/drawing/2014/main" id="{0B31F7C8-1EE9-5135-18E8-921BC27974AD}"/>
+              </a:ext>
+            </a:extLst>
+          </p:cNvPr>
+          <p:cNvSpPr>
+            <a:spLocks noGrp="1"/>
+          </p:cNvSpPr>
+          <p:nvPr>
+            <p:ph type="title"/>
+          </p:nvPr>
+        </p:nvSpPr>
+        <p:spPr>
+          <a:xfrm>
+            <a:off x="838200" y="365125"/>
+            <a:ext cx="4711261" cy="381110"/>
+          </a:xfrm>
+        </p:spPr>
+        <p:txBody>
+          <a:bodyPr anchor="t">
+            <a:normAutofit/>
+          </a:bodyPr>
+          <a:lstStyle/>
+          <a:p>
+            <a:r>
+              <a:rPr lang="en-US" sz="1800" dirty="0"/>
+              <a:t>Game Play Interior / Exterior Transitions</a:t>
+            </a:r>
+            <a:endParaRPr lang="en-US" sz="1800" dirty="0">
+              <a:solidFill>
+                <a:srgbClr val="FF0000"/>
+              </a:solidFill>
+            </a:endParaRPr>
+          </a:p>
+        </p:txBody>
+      </p:sp>
     </p:spTree>
     <p:extLst>
       <p:ext uri="{BB962C8B-B14F-4D97-AF65-F5344CB8AC3E}">
         <p14:creationId xmlns:p14="http://schemas.microsoft.com/office/powerpoint/2010/main" val="227089474"/>
-      </p:ext>
-    </p:extLst>
-  </p:cSld>
-  <p:clrMapOvr>
-    <a:masterClrMapping/>
-  </p:clrMapOvr>
-</p:sld>
-</file>
-
-<file path=ppt/slides/slide8.xml><?xml version="1.0" encoding="utf-8"?>
-<p:sld xmlns:a="http://schemas.openxmlformats.org/drawingml/2006/main" xmlns:r="http://schemas.openxmlformats.org/officeDocument/2006/relationships" xmlns:p="http://schemas.openxmlformats.org/presentationml/2006/main">
-  <p:cSld>
-    <p:spTree>
-      <p:nvGrpSpPr>
-        <p:cNvPr id="1" name=""/>
-        <p:cNvGrpSpPr/>
-        <p:nvPr/>
-      </p:nvGrpSpPr>
-      <p:grpSpPr>
-        <a:xfrm>
-          <a:off x="0" y="0"/>
-          <a:ext cx="0" cy="0"/>
-          <a:chOff x="0" y="0"/>
-          <a:chExt cx="0" cy="0"/>
-        </a:xfrm>
-      </p:grpSpPr>
-      <p:pic>
-        <p:nvPicPr>
-          <p:cNvPr id="5" name="Picture 4">
-            <a:extLst>
-              <a:ext uri="{FF2B5EF4-FFF2-40B4-BE49-F238E27FC236}">
-                <a16:creationId xmlns:a16="http://schemas.microsoft.com/office/drawing/2014/main" id="{FEA8350C-1B34-9FEF-5941-A9550B7AA655}"/>
-              </a:ext>
-            </a:extLst>
-          </p:cNvPr>
-          <p:cNvPicPr>
-            <a:picLocks noChangeAspect="1"/>
-          </p:cNvPicPr>
-          <p:nvPr/>
-        </p:nvPicPr>
-        <p:blipFill>
-          <a:blip r:embed="rId2"/>
-          <a:stretch>
-            <a:fillRect/>
-          </a:stretch>
-        </p:blipFill>
-        <p:spPr>
-          <a:xfrm>
-            <a:off x="2178867" y="461559"/>
-            <a:ext cx="5399570" cy="916164"/>
-          </a:xfrm>
-          <a:prstGeom prst="rect">
-            <a:avLst/>
-          </a:prstGeom>
-        </p:spPr>
-      </p:pic>
-      <p:pic>
-        <p:nvPicPr>
-          <p:cNvPr id="7" name="Picture 6">
-            <a:extLst>
-              <a:ext uri="{FF2B5EF4-FFF2-40B4-BE49-F238E27FC236}">
-                <a16:creationId xmlns:a16="http://schemas.microsoft.com/office/drawing/2014/main" id="{262759AB-6A7E-648A-BEF0-97608FA016F5}"/>
-              </a:ext>
-            </a:extLst>
-          </p:cNvPr>
-          <p:cNvPicPr>
-            <a:picLocks noChangeAspect="1"/>
-          </p:cNvPicPr>
-          <p:nvPr/>
-        </p:nvPicPr>
-        <p:blipFill>
-          <a:blip r:embed="rId3"/>
-          <a:stretch>
-            <a:fillRect/>
-          </a:stretch>
-        </p:blipFill>
-        <p:spPr>
-          <a:xfrm>
-            <a:off x="2455520" y="1755229"/>
-            <a:ext cx="2443706" cy="2498116"/>
-          </a:xfrm>
-          <a:prstGeom prst="rect">
-            <a:avLst/>
-          </a:prstGeom>
-        </p:spPr>
-      </p:pic>
-      <p:sp>
-        <p:nvSpPr>
-          <p:cNvPr id="8" name="TextBox 7">
-            <a:extLst>
-              <a:ext uri="{FF2B5EF4-FFF2-40B4-BE49-F238E27FC236}">
-                <a16:creationId xmlns:a16="http://schemas.microsoft.com/office/drawing/2014/main" id="{25664B8A-7786-EB93-F6F1-7F5726AD5D44}"/>
-              </a:ext>
-            </a:extLst>
-          </p:cNvPr>
-          <p:cNvSpPr txBox="1"/>
-          <p:nvPr/>
-        </p:nvSpPr>
-        <p:spPr>
-          <a:xfrm>
-            <a:off x="5135256" y="1734685"/>
-            <a:ext cx="2249776" cy="2677656"/>
-          </a:xfrm>
-          <a:prstGeom prst="rect">
-            <a:avLst/>
-          </a:prstGeom>
-          <a:noFill/>
-        </p:spPr>
-        <p:txBody>
-          <a:bodyPr wrap="square" rtlCol="0">
-            <a:spAutoFit/>
-          </a:bodyPr>
-          <a:lstStyle/>
-          <a:p>
-            <a:r>
-              <a:rPr lang="en-US" sz="1400" dirty="0"/>
-              <a:t>I'm Bob Rodini software developer, educator, and puzzle lover.</a:t>
-            </a:r>
-          </a:p>
-          <a:p>
-            <a:endParaRPr lang="en-US" sz="1400" dirty="0"/>
-          </a:p>
-          <a:p>
-            <a:r>
-              <a:rPr lang="en-US" sz="1400" dirty="0"/>
-              <a:t>I make educational apps (videos too) that are FREE with absolutely NO advertising.</a:t>
-            </a:r>
-          </a:p>
-          <a:p>
-            <a:endParaRPr lang="en-US" sz="1400" dirty="0"/>
-          </a:p>
-          <a:p>
-            <a:r>
-              <a:rPr lang="en-US" sz="1400" dirty="0"/>
-              <a:t>My current offerings are below. Just click on the image to play and learn.</a:t>
-            </a:r>
-            <a:endParaRPr lang="en-US" dirty="0"/>
-          </a:p>
-        </p:txBody>
-      </p:sp>
-      <p:sp>
-        <p:nvSpPr>
-          <p:cNvPr id="9" name="Rectangle 8">
-            <a:extLst>
-              <a:ext uri="{FF2B5EF4-FFF2-40B4-BE49-F238E27FC236}">
-                <a16:creationId xmlns:a16="http://schemas.microsoft.com/office/drawing/2014/main" id="{E0E1F31A-B5CF-E5D7-D1E4-4592C398E613}"/>
-              </a:ext>
-            </a:extLst>
-          </p:cNvPr>
-          <p:cNvSpPr/>
-          <p:nvPr/>
-        </p:nvSpPr>
-        <p:spPr>
-          <a:xfrm>
-            <a:off x="1995055" y="274702"/>
-            <a:ext cx="5999018" cy="6389334"/>
-          </a:xfrm>
-          <a:prstGeom prst="rect">
-            <a:avLst/>
-          </a:prstGeom>
-          <a:noFill/>
-          <a:ln>
-            <a:solidFill>
-              <a:schemeClr val="tx1"/>
-            </a:solidFill>
-          </a:ln>
-        </p:spPr>
-        <p:style>
-          <a:lnRef idx="2">
-            <a:schemeClr val="accent1">
-              <a:shade val="15000"/>
-            </a:schemeClr>
-          </a:lnRef>
-          <a:fillRef idx="1">
-            <a:schemeClr val="accent1"/>
-          </a:fillRef>
-          <a:effectRef idx="0">
-            <a:schemeClr val="accent1"/>
-          </a:effectRef>
-          <a:fontRef idx="minor">
-            <a:schemeClr val="lt1"/>
-          </a:fontRef>
-        </p:style>
-        <p:txBody>
-          <a:bodyPr rtlCol="0" anchor="ctr"/>
-          <a:lstStyle/>
-          <a:p>
-            <a:pPr algn="ctr"/>
-            <a:endParaRPr lang="en-US"/>
-          </a:p>
-        </p:txBody>
-      </p:sp>
-      <p:grpSp>
-        <p:nvGrpSpPr>
-          <p:cNvPr id="19" name="Group 18">
-            <a:extLst>
-              <a:ext uri="{FF2B5EF4-FFF2-40B4-BE49-F238E27FC236}">
-                <a16:creationId xmlns:a16="http://schemas.microsoft.com/office/drawing/2014/main" id="{77F3C6EC-31E5-DA29-7FAA-918791AE72BD}"/>
-              </a:ext>
-            </a:extLst>
-          </p:cNvPr>
-          <p:cNvGrpSpPr/>
-          <p:nvPr/>
-        </p:nvGrpSpPr>
-        <p:grpSpPr>
-          <a:xfrm>
-            <a:off x="2646218" y="4599709"/>
-            <a:ext cx="1366674" cy="1828800"/>
-            <a:chOff x="2646218" y="4599709"/>
-            <a:chExt cx="1366674" cy="1828800"/>
-          </a:xfrm>
-        </p:grpSpPr>
-        <p:sp>
-          <p:nvSpPr>
-            <p:cNvPr id="10" name="Rectangle 9">
-              <a:extLst>
-                <a:ext uri="{FF2B5EF4-FFF2-40B4-BE49-F238E27FC236}">
-                  <a16:creationId xmlns:a16="http://schemas.microsoft.com/office/drawing/2014/main" id="{E103AEF0-71CC-1B78-6F19-77C8755838D7}"/>
-                </a:ext>
-              </a:extLst>
-            </p:cNvPr>
-            <p:cNvSpPr/>
-            <p:nvPr/>
-          </p:nvSpPr>
-          <p:spPr>
-            <a:xfrm>
-              <a:off x="2672016" y="4599709"/>
-              <a:ext cx="1331948" cy="1828800"/>
-            </a:xfrm>
-            <a:prstGeom prst="rect">
-              <a:avLst/>
-            </a:prstGeom>
-            <a:noFill/>
-            <a:ln>
-              <a:solidFill>
-                <a:schemeClr val="tx1"/>
-              </a:solidFill>
-            </a:ln>
-          </p:spPr>
-          <p:style>
-            <a:lnRef idx="2">
-              <a:schemeClr val="accent1">
-                <a:shade val="15000"/>
-              </a:schemeClr>
-            </a:lnRef>
-            <a:fillRef idx="1">
-              <a:schemeClr val="accent1"/>
-            </a:fillRef>
-            <a:effectRef idx="0">
-              <a:schemeClr val="accent1"/>
-            </a:effectRef>
-            <a:fontRef idx="minor">
-              <a:schemeClr val="lt1"/>
-            </a:fontRef>
-          </p:style>
-          <p:txBody>
-            <a:bodyPr rtlCol="0" anchor="ctr"/>
-            <a:lstStyle/>
-            <a:p>
-              <a:pPr algn="ctr"/>
-              <a:endParaRPr lang="en-US"/>
-            </a:p>
-          </p:txBody>
-        </p:sp>
-        <p:sp>
-          <p:nvSpPr>
-            <p:cNvPr id="11" name="TextBox 10">
-              <a:extLst>
-                <a:ext uri="{FF2B5EF4-FFF2-40B4-BE49-F238E27FC236}">
-                  <a16:creationId xmlns:a16="http://schemas.microsoft.com/office/drawing/2014/main" id="{E5D9A3BE-F3DA-C506-8201-A89E15E69E8E}"/>
-                </a:ext>
-              </a:extLst>
-            </p:cNvPr>
-            <p:cNvSpPr txBox="1"/>
-            <p:nvPr/>
-          </p:nvSpPr>
-          <p:spPr>
-            <a:xfrm>
-              <a:off x="2646218" y="4599709"/>
-              <a:ext cx="1366674" cy="769441"/>
-            </a:xfrm>
-            <a:prstGeom prst="rect">
-              <a:avLst/>
-            </a:prstGeom>
-            <a:noFill/>
-          </p:spPr>
-          <p:txBody>
-            <a:bodyPr wrap="square" rtlCol="0">
-              <a:spAutoFit/>
-            </a:bodyPr>
-            <a:lstStyle/>
-            <a:p>
-              <a:pPr algn="ctr"/>
-              <a:r>
-                <a:rPr lang="en-US" sz="1600" dirty="0"/>
-                <a:t>Make Change</a:t>
-              </a:r>
-            </a:p>
-            <a:p>
-              <a:pPr algn="ctr"/>
-              <a:r>
-                <a:rPr lang="en-US" sz="1400" dirty="0"/>
-                <a:t>Math/logic game</a:t>
-              </a:r>
-            </a:p>
-          </p:txBody>
-        </p:sp>
-        <p:pic>
-          <p:nvPicPr>
-            <p:cNvPr id="17" name="Picture 16">
-              <a:extLst>
-                <a:ext uri="{FF2B5EF4-FFF2-40B4-BE49-F238E27FC236}">
-                  <a16:creationId xmlns:a16="http://schemas.microsoft.com/office/drawing/2014/main" id="{0F55C697-7E1D-4D41-2731-077A62E880F0}"/>
-                </a:ext>
-              </a:extLst>
-            </p:cNvPr>
-            <p:cNvPicPr>
-              <a:picLocks noChangeAspect="1"/>
-            </p:cNvPicPr>
-            <p:nvPr/>
-          </p:nvPicPr>
-          <p:blipFill rotWithShape="1">
-            <a:blip r:embed="rId4"/>
-            <a:srcRect t="16452" b="8971"/>
-            <a:stretch/>
-          </p:blipFill>
-          <p:spPr>
-            <a:xfrm>
-              <a:off x="2918691" y="5523340"/>
-              <a:ext cx="794327" cy="877466"/>
-            </a:xfrm>
-            <a:prstGeom prst="rect">
-              <a:avLst/>
-            </a:prstGeom>
-          </p:spPr>
-        </p:pic>
-      </p:grpSp>
-      <p:grpSp>
-        <p:nvGrpSpPr>
-          <p:cNvPr id="20" name="Group 19">
-            <a:extLst>
-              <a:ext uri="{FF2B5EF4-FFF2-40B4-BE49-F238E27FC236}">
-                <a16:creationId xmlns:a16="http://schemas.microsoft.com/office/drawing/2014/main" id="{180B1BCA-4E17-C0C0-24CF-F0A26A8A0223}"/>
-              </a:ext>
-            </a:extLst>
-          </p:cNvPr>
-          <p:cNvGrpSpPr/>
-          <p:nvPr/>
-        </p:nvGrpSpPr>
-        <p:grpSpPr>
-          <a:xfrm>
-            <a:off x="4611651" y="4613561"/>
-            <a:ext cx="1331948" cy="1759529"/>
-            <a:chOff x="5304380" y="4613561"/>
-            <a:chExt cx="1331948" cy="1759529"/>
-          </a:xfrm>
-        </p:grpSpPr>
-        <p:sp>
-          <p:nvSpPr>
-            <p:cNvPr id="12" name="Rectangle 11">
-              <a:extLst>
-                <a:ext uri="{FF2B5EF4-FFF2-40B4-BE49-F238E27FC236}">
-                  <a16:creationId xmlns:a16="http://schemas.microsoft.com/office/drawing/2014/main" id="{C585A106-B37B-DD13-6F49-1045722C1EA3}"/>
-                </a:ext>
-              </a:extLst>
-            </p:cNvPr>
-            <p:cNvSpPr/>
-            <p:nvPr/>
-          </p:nvSpPr>
-          <p:spPr>
-            <a:xfrm>
-              <a:off x="5304380" y="4613563"/>
-              <a:ext cx="1331948" cy="1759527"/>
-            </a:xfrm>
-            <a:prstGeom prst="rect">
-              <a:avLst/>
-            </a:prstGeom>
-            <a:noFill/>
-            <a:ln>
-              <a:solidFill>
-                <a:schemeClr val="tx1"/>
-              </a:solidFill>
-            </a:ln>
-          </p:spPr>
-          <p:style>
-            <a:lnRef idx="2">
-              <a:schemeClr val="accent1">
-                <a:shade val="15000"/>
-              </a:schemeClr>
-            </a:lnRef>
-            <a:fillRef idx="1">
-              <a:schemeClr val="accent1"/>
-            </a:fillRef>
-            <a:effectRef idx="0">
-              <a:schemeClr val="accent1"/>
-            </a:effectRef>
-            <a:fontRef idx="minor">
-              <a:schemeClr val="lt1"/>
-            </a:fontRef>
-          </p:style>
-          <p:txBody>
-            <a:bodyPr rtlCol="0" anchor="ctr"/>
-            <a:lstStyle/>
-            <a:p>
-              <a:pPr algn="ctr"/>
-              <a:endParaRPr lang="en-US"/>
-            </a:p>
-          </p:txBody>
-        </p:sp>
-        <p:sp>
-          <p:nvSpPr>
-            <p:cNvPr id="13" name="TextBox 12">
-              <a:extLst>
-                <a:ext uri="{FF2B5EF4-FFF2-40B4-BE49-F238E27FC236}">
-                  <a16:creationId xmlns:a16="http://schemas.microsoft.com/office/drawing/2014/main" id="{5A41ED0B-FD7E-DBFC-7DE7-F9931A9B090D}"/>
-                </a:ext>
-              </a:extLst>
-            </p:cNvPr>
-            <p:cNvSpPr txBox="1"/>
-            <p:nvPr/>
-          </p:nvSpPr>
-          <p:spPr>
-            <a:xfrm>
-              <a:off x="5320145" y="4613561"/>
-              <a:ext cx="1303358" cy="523220"/>
-            </a:xfrm>
-            <a:prstGeom prst="rect">
-              <a:avLst/>
-            </a:prstGeom>
-            <a:noFill/>
-          </p:spPr>
-          <p:txBody>
-            <a:bodyPr wrap="square" rtlCol="0">
-              <a:spAutoFit/>
-            </a:bodyPr>
-            <a:lstStyle/>
-            <a:p>
-              <a:pPr algn="ctr"/>
-              <a:r>
-                <a:rPr lang="en-US" sz="1400" dirty="0"/>
-                <a:t>Pizza Problem</a:t>
-              </a:r>
-            </a:p>
-            <a:p>
-              <a:pPr algn="ctr"/>
-              <a:r>
-                <a:rPr lang="en-US" sz="1400" dirty="0"/>
-                <a:t>Math video</a:t>
-              </a:r>
-            </a:p>
-          </p:txBody>
-        </p:sp>
-        <p:pic>
-          <p:nvPicPr>
-            <p:cNvPr id="18" name="Picture 6">
-              <a:extLst>
-                <a:ext uri="{FF2B5EF4-FFF2-40B4-BE49-F238E27FC236}">
-                  <a16:creationId xmlns:a16="http://schemas.microsoft.com/office/drawing/2014/main" id="{5D06A0C8-97C0-78B6-FEEC-B5F57D76D680}"/>
-                </a:ext>
-              </a:extLst>
-            </p:cNvPr>
-            <p:cNvPicPr>
-              <a:picLocks noChangeAspect="1" noChangeArrowheads="1"/>
-            </p:cNvPicPr>
-            <p:nvPr/>
-          </p:nvPicPr>
-          <p:blipFill rotWithShape="1">
-            <a:blip r:embed="rId5">
-              <a:extLst>
-                <a:ext uri="{28A0092B-C50C-407E-A947-70E740481C1C}">
-                  <a14:useLocalDpi xmlns:a14="http://schemas.microsoft.com/office/drawing/2010/main" val="0"/>
-                </a:ext>
-              </a:extLst>
-            </a:blip>
-            <a:srcRect t="9705"/>
-            <a:stretch/>
-          </p:blipFill>
-          <p:spPr bwMode="auto">
-            <a:xfrm>
-              <a:off x="5492008" y="5462193"/>
-              <a:ext cx="936502" cy="890664"/>
-            </a:xfrm>
-            <a:prstGeom prst="rect">
-              <a:avLst/>
-            </a:prstGeom>
-            <a:noFill/>
-            <a:extLst>
-              <a:ext uri="{909E8E84-426E-40DD-AFC4-6F175D3DCCD1}">
-                <a14:hiddenFill xmlns:a14="http://schemas.microsoft.com/office/drawing/2010/main">
-                  <a:solidFill>
-                    <a:srgbClr val="FFFFFF"/>
-                  </a:solidFill>
-                </a14:hiddenFill>
-              </a:ext>
-            </a:extLst>
-          </p:spPr>
-        </p:pic>
-      </p:grpSp>
-      <p:sp>
-        <p:nvSpPr>
-          <p:cNvPr id="22" name="Rectangle 21">
-            <a:extLst>
-              <a:ext uri="{FF2B5EF4-FFF2-40B4-BE49-F238E27FC236}">
-                <a16:creationId xmlns:a16="http://schemas.microsoft.com/office/drawing/2014/main" id="{CE02E24B-B036-E269-F78E-983B603192BE}"/>
-              </a:ext>
-            </a:extLst>
-          </p:cNvPr>
-          <p:cNvSpPr/>
-          <p:nvPr/>
-        </p:nvSpPr>
-        <p:spPr>
-          <a:xfrm>
-            <a:off x="6440451" y="4599709"/>
-            <a:ext cx="1331948" cy="1759527"/>
-          </a:xfrm>
-          <a:prstGeom prst="rect">
-            <a:avLst/>
-          </a:prstGeom>
-          <a:noFill/>
-          <a:ln>
-            <a:solidFill>
-              <a:schemeClr val="tx1"/>
-            </a:solidFill>
-          </a:ln>
-        </p:spPr>
-        <p:style>
-          <a:lnRef idx="2">
-            <a:schemeClr val="accent1">
-              <a:shade val="15000"/>
-            </a:schemeClr>
-          </a:lnRef>
-          <a:fillRef idx="1">
-            <a:schemeClr val="accent1"/>
-          </a:fillRef>
-          <a:effectRef idx="0">
-            <a:schemeClr val="accent1"/>
-          </a:effectRef>
-          <a:fontRef idx="minor">
-            <a:schemeClr val="lt1"/>
-          </a:fontRef>
-        </p:style>
-        <p:txBody>
-          <a:bodyPr rtlCol="0" anchor="ctr"/>
-          <a:lstStyle/>
-          <a:p>
-            <a:pPr algn="ctr"/>
-            <a:endParaRPr lang="en-US" b="1"/>
-          </a:p>
-        </p:txBody>
-      </p:sp>
-      <p:sp>
-        <p:nvSpPr>
-          <p:cNvPr id="23" name="TextBox 22">
-            <a:extLst>
-              <a:ext uri="{FF2B5EF4-FFF2-40B4-BE49-F238E27FC236}">
-                <a16:creationId xmlns:a16="http://schemas.microsoft.com/office/drawing/2014/main" id="{187C07FF-344E-EE59-AF47-AC62B0A773A2}"/>
-              </a:ext>
-            </a:extLst>
-          </p:cNvPr>
-          <p:cNvSpPr txBox="1"/>
-          <p:nvPr/>
-        </p:nvSpPr>
-        <p:spPr>
-          <a:xfrm>
-            <a:off x="6456216" y="4599707"/>
-            <a:ext cx="1303358" cy="523220"/>
-          </a:xfrm>
-          <a:prstGeom prst="rect">
-            <a:avLst/>
-          </a:prstGeom>
-          <a:noFill/>
-        </p:spPr>
-        <p:txBody>
-          <a:bodyPr wrap="square" rtlCol="0">
-            <a:spAutoFit/>
-          </a:bodyPr>
-          <a:lstStyle/>
-          <a:p>
-            <a:pPr algn="ctr"/>
-            <a:r>
-              <a:rPr lang="en-US" sz="1400" b="1" dirty="0"/>
-              <a:t>More to come…</a:t>
-            </a:r>
-          </a:p>
-        </p:txBody>
-      </p:sp>
-    </p:spTree>
-    <p:extLst>
-      <p:ext uri="{BB962C8B-B14F-4D97-AF65-F5344CB8AC3E}">
-        <p14:creationId xmlns:p14="http://schemas.microsoft.com/office/powerpoint/2010/main" val="881101987"/>
       </p:ext>
     </p:extLst>
   </p:cSld>
@@ -12301,46 +14059,6 @@
       </p:sp>
       <p:sp>
         <p:nvSpPr>
-          <p:cNvPr id="7" name="TextBox 6">
-            <a:extLst>
-              <a:ext uri="{FF2B5EF4-FFF2-40B4-BE49-F238E27FC236}">
-                <a16:creationId xmlns:a16="http://schemas.microsoft.com/office/drawing/2014/main" id="{BFD8286E-B79C-97D2-16A4-DDB763DE7F0F}"/>
-              </a:ext>
-            </a:extLst>
-          </p:cNvPr>
-          <p:cNvSpPr txBox="1"/>
-          <p:nvPr/>
-        </p:nvSpPr>
-        <p:spPr>
-          <a:xfrm>
-            <a:off x="4317766" y="4028301"/>
-            <a:ext cx="2312276" cy="369332"/>
-          </a:xfrm>
-          <a:prstGeom prst="rect">
-            <a:avLst/>
-          </a:prstGeom>
-          <a:noFill/>
-          <a:ln>
-            <a:solidFill>
-              <a:schemeClr val="tx1"/>
-            </a:solidFill>
-          </a:ln>
-        </p:spPr>
-        <p:txBody>
-          <a:bodyPr wrap="square" rtlCol="0">
-            <a:spAutoFit/>
-          </a:bodyPr>
-          <a:lstStyle/>
-          <a:p>
-            <a:r>
-              <a:rPr lang="en-US" dirty="0"/>
-              <a:t>EXAMPLE_SOLUTION</a:t>
-            </a:r>
-          </a:p>
-        </p:txBody>
-      </p:sp>
-      <p:sp>
-        <p:nvSpPr>
           <p:cNvPr id="10" name="TextBox 9">
             <a:extLst>
               <a:ext uri="{FF2B5EF4-FFF2-40B4-BE49-F238E27FC236}">
@@ -12503,45 +14221,6 @@
             <a:r>
               <a:rPr lang="en-US" dirty="0"/>
               <a:t>EXAMPLE_SHOW</a:t>
-            </a:r>
-          </a:p>
-        </p:txBody>
-      </p:sp>
-      <p:sp>
-        <p:nvSpPr>
-          <p:cNvPr id="16" name="TextBox 15">
-            <a:extLst>
-              <a:ext uri="{FF2B5EF4-FFF2-40B4-BE49-F238E27FC236}">
-                <a16:creationId xmlns:a16="http://schemas.microsoft.com/office/drawing/2014/main" id="{D010DC73-EE0B-70D8-EA24-0F5925D3E7CD}"/>
-              </a:ext>
-            </a:extLst>
-          </p:cNvPr>
-          <p:cNvSpPr txBox="1"/>
-          <p:nvPr/>
-        </p:nvSpPr>
-        <p:spPr>
-          <a:xfrm>
-            <a:off x="5391522" y="1469320"/>
-            <a:ext cx="1408671" cy="369332"/>
-          </a:xfrm>
-          <a:prstGeom prst="rect">
-            <a:avLst/>
-          </a:prstGeom>
-          <a:noFill/>
-        </p:spPr>
-        <p:txBody>
-          <a:bodyPr wrap="square" rtlCol="0">
-            <a:spAutoFit/>
-          </a:bodyPr>
-          <a:lstStyle/>
-          <a:p>
-            <a:r>
-              <a:rPr lang="en-US" dirty="0">
-                <a:solidFill>
-                  <a:srgbClr val="FF0000"/>
-                </a:solidFill>
-              </a:rPr>
-              <a:t>Animate 1</a:t>
             </a:r>
           </a:p>
         </p:txBody>
@@ -12640,24 +14319,23 @@
       </p:cxnSp>
       <p:cxnSp>
         <p:nvCxnSpPr>
-          <p:cNvPr id="28" name="Straight Arrow Connector 27">
-            <a:extLst>
-              <a:ext uri="{FF2B5EF4-FFF2-40B4-BE49-F238E27FC236}">
-                <a16:creationId xmlns:a16="http://schemas.microsoft.com/office/drawing/2014/main" id="{A3C8CD36-27F0-5493-5795-22007E95AC5D}"/>
+          <p:cNvPr id="29" name="Straight Arrow Connector 28">
+            <a:extLst>
+              <a:ext uri="{FF2B5EF4-FFF2-40B4-BE49-F238E27FC236}">
+                <a16:creationId xmlns:a16="http://schemas.microsoft.com/office/drawing/2014/main" id="{5356D412-DD54-4BFF-9760-935F996E4207}"/>
               </a:ext>
             </a:extLst>
           </p:cNvPr>
           <p:cNvCxnSpPr>
             <a:cxnSpLocks/>
             <a:stCxn id="5" idx="3"/>
-            <a:endCxn id="7" idx="1"/>
           </p:cNvCxnSpPr>
           <p:nvPr/>
         </p:nvCxnSpPr>
         <p:spPr>
           <a:xfrm>
             <a:off x="3343138" y="4212967"/>
-            <a:ext cx="974628" cy="0"/>
+            <a:ext cx="4046062" cy="902730"/>
           </a:xfrm>
           <a:prstGeom prst="straightConnector1">
             <a:avLst/>
@@ -12684,25 +14362,107 @@
           </a:fontRef>
         </p:style>
       </p:cxnSp>
+      <p:sp>
+        <p:nvSpPr>
+          <p:cNvPr id="33" name="TextBox 32">
+            <a:extLst>
+              <a:ext uri="{FF2B5EF4-FFF2-40B4-BE49-F238E27FC236}">
+                <a16:creationId xmlns:a16="http://schemas.microsoft.com/office/drawing/2014/main" id="{8BE1F6B6-7CD4-1D0A-E7D1-B302AEF7EAE2}"/>
+              </a:ext>
+            </a:extLst>
+          </p:cNvPr>
+          <p:cNvSpPr txBox="1"/>
+          <p:nvPr/>
+        </p:nvSpPr>
+        <p:spPr>
+          <a:xfrm>
+            <a:off x="6808573" y="3188046"/>
+            <a:ext cx="926757" cy="369332"/>
+          </a:xfrm>
+          <a:prstGeom prst="rect">
+            <a:avLst/>
+          </a:prstGeom>
+          <a:noFill/>
+        </p:spPr>
+        <p:txBody>
+          <a:bodyPr wrap="square" rtlCol="0">
+            <a:spAutoFit/>
+          </a:bodyPr>
+          <a:lstStyle/>
+          <a:p>
+            <a:r>
+              <a:rPr lang="en-US" dirty="0">
+                <a:solidFill>
+                  <a:schemeClr val="accent6">
+                    <a:lumMod val="75000"/>
+                  </a:schemeClr>
+                </a:solidFill>
+              </a:rPr>
+              <a:t>Correct</a:t>
+            </a:r>
+          </a:p>
+        </p:txBody>
+      </p:sp>
+      <p:sp>
+        <p:nvSpPr>
+          <p:cNvPr id="34" name="TextBox 33">
+            <a:extLst>
+              <a:ext uri="{FF2B5EF4-FFF2-40B4-BE49-F238E27FC236}">
+                <a16:creationId xmlns:a16="http://schemas.microsoft.com/office/drawing/2014/main" id="{6FC68519-98B1-103F-95D9-27ADE0C9C848}"/>
+              </a:ext>
+            </a:extLst>
+          </p:cNvPr>
+          <p:cNvSpPr txBox="1"/>
+          <p:nvPr/>
+        </p:nvSpPr>
+        <p:spPr>
+          <a:xfrm>
+            <a:off x="2891480" y="3249830"/>
+            <a:ext cx="1260390" cy="369332"/>
+          </a:xfrm>
+          <a:prstGeom prst="rect">
+            <a:avLst/>
+          </a:prstGeom>
+          <a:noFill/>
+        </p:spPr>
+        <p:txBody>
+          <a:bodyPr wrap="square" rtlCol="0">
+            <a:spAutoFit/>
+          </a:bodyPr>
+          <a:lstStyle/>
+          <a:p>
+            <a:r>
+              <a:rPr lang="en-US" dirty="0">
+                <a:solidFill>
+                  <a:schemeClr val="accent6">
+                    <a:lumMod val="75000"/>
+                  </a:schemeClr>
+                </a:solidFill>
+              </a:rPr>
+              <a:t>Incorrect</a:t>
+            </a:r>
+          </a:p>
+        </p:txBody>
+      </p:sp>
       <p:cxnSp>
         <p:nvCxnSpPr>
-          <p:cNvPr id="29" name="Straight Arrow Connector 28">
-            <a:extLst>
-              <a:ext uri="{FF2B5EF4-FFF2-40B4-BE49-F238E27FC236}">
-                <a16:creationId xmlns:a16="http://schemas.microsoft.com/office/drawing/2014/main" id="{5356D412-DD54-4BFF-9760-935F996E4207}"/>
+          <p:cNvPr id="35" name="Straight Arrow Connector 34">
+            <a:extLst>
+              <a:ext uri="{FF2B5EF4-FFF2-40B4-BE49-F238E27FC236}">
+                <a16:creationId xmlns:a16="http://schemas.microsoft.com/office/drawing/2014/main" id="{94A2D514-DDAB-D0B2-5C33-8975106A4849}"/>
               </a:ext>
             </a:extLst>
           </p:cNvPr>
           <p:cNvCxnSpPr>
             <a:cxnSpLocks/>
-            <a:stCxn id="7" idx="2"/>
+            <a:stCxn id="6" idx="2"/>
           </p:cNvCxnSpPr>
           <p:nvPr/>
         </p:nvCxnSpPr>
         <p:spPr>
-          <a:xfrm>
-            <a:off x="5473904" y="4397633"/>
-            <a:ext cx="1915296" cy="718064"/>
+          <a:xfrm flipH="1">
+            <a:off x="7389200" y="4397633"/>
+            <a:ext cx="1631099" cy="718064"/>
           </a:xfrm>
           <a:prstGeom prst="straightConnector1">
             <a:avLst/>
@@ -12731,168 +14491,6 @@
       </p:cxnSp>
       <p:sp>
         <p:nvSpPr>
-          <p:cNvPr id="32" name="TextBox 31">
-            <a:extLst>
-              <a:ext uri="{FF2B5EF4-FFF2-40B4-BE49-F238E27FC236}">
-                <a16:creationId xmlns:a16="http://schemas.microsoft.com/office/drawing/2014/main" id="{7C9FAC92-5A6B-98C3-E61F-AFE59394EE9B}"/>
-              </a:ext>
-            </a:extLst>
-          </p:cNvPr>
-          <p:cNvSpPr txBox="1"/>
-          <p:nvPr/>
-        </p:nvSpPr>
-        <p:spPr>
-          <a:xfrm>
-            <a:off x="3311610" y="3880024"/>
-            <a:ext cx="1235677" cy="369332"/>
-          </a:xfrm>
-          <a:prstGeom prst="rect">
-            <a:avLst/>
-          </a:prstGeom>
-          <a:noFill/>
-        </p:spPr>
-        <p:txBody>
-          <a:bodyPr wrap="square" rtlCol="0">
-            <a:spAutoFit/>
-          </a:bodyPr>
-          <a:lstStyle/>
-          <a:p>
-            <a:r>
-              <a:rPr lang="en-US" dirty="0">
-                <a:solidFill>
-                  <a:srgbClr val="FF0000"/>
-                </a:solidFill>
-              </a:rPr>
-              <a:t>Solution</a:t>
-            </a:r>
-          </a:p>
-        </p:txBody>
-      </p:sp>
-      <p:sp>
-        <p:nvSpPr>
-          <p:cNvPr id="33" name="TextBox 32">
-            <a:extLst>
-              <a:ext uri="{FF2B5EF4-FFF2-40B4-BE49-F238E27FC236}">
-                <a16:creationId xmlns:a16="http://schemas.microsoft.com/office/drawing/2014/main" id="{8BE1F6B6-7CD4-1D0A-E7D1-B302AEF7EAE2}"/>
-              </a:ext>
-            </a:extLst>
-          </p:cNvPr>
-          <p:cNvSpPr txBox="1"/>
-          <p:nvPr/>
-        </p:nvSpPr>
-        <p:spPr>
-          <a:xfrm>
-            <a:off x="6808573" y="3188046"/>
-            <a:ext cx="926757" cy="369332"/>
-          </a:xfrm>
-          <a:prstGeom prst="rect">
-            <a:avLst/>
-          </a:prstGeom>
-          <a:noFill/>
-        </p:spPr>
-        <p:txBody>
-          <a:bodyPr wrap="square" rtlCol="0">
-            <a:spAutoFit/>
-          </a:bodyPr>
-          <a:lstStyle/>
-          <a:p>
-            <a:r>
-              <a:rPr lang="en-US" dirty="0">
-                <a:solidFill>
-                  <a:srgbClr val="FF0000"/>
-                </a:solidFill>
-              </a:rPr>
-              <a:t>Correct</a:t>
-            </a:r>
-          </a:p>
-        </p:txBody>
-      </p:sp>
-      <p:sp>
-        <p:nvSpPr>
-          <p:cNvPr id="34" name="TextBox 33">
-            <a:extLst>
-              <a:ext uri="{FF2B5EF4-FFF2-40B4-BE49-F238E27FC236}">
-                <a16:creationId xmlns:a16="http://schemas.microsoft.com/office/drawing/2014/main" id="{6FC68519-98B1-103F-95D9-27ADE0C9C848}"/>
-              </a:ext>
-            </a:extLst>
-          </p:cNvPr>
-          <p:cNvSpPr txBox="1"/>
-          <p:nvPr/>
-        </p:nvSpPr>
-        <p:spPr>
-          <a:xfrm>
-            <a:off x="2891480" y="3249830"/>
-            <a:ext cx="1260390" cy="369332"/>
-          </a:xfrm>
-          <a:prstGeom prst="rect">
-            <a:avLst/>
-          </a:prstGeom>
-          <a:noFill/>
-        </p:spPr>
-        <p:txBody>
-          <a:bodyPr wrap="square" rtlCol="0">
-            <a:spAutoFit/>
-          </a:bodyPr>
-          <a:lstStyle/>
-          <a:p>
-            <a:r>
-              <a:rPr lang="en-US" dirty="0">
-                <a:solidFill>
-                  <a:srgbClr val="FF0000"/>
-                </a:solidFill>
-              </a:rPr>
-              <a:t>Incorrect</a:t>
-            </a:r>
-          </a:p>
-        </p:txBody>
-      </p:sp>
-      <p:cxnSp>
-        <p:nvCxnSpPr>
-          <p:cNvPr id="35" name="Straight Arrow Connector 34">
-            <a:extLst>
-              <a:ext uri="{FF2B5EF4-FFF2-40B4-BE49-F238E27FC236}">
-                <a16:creationId xmlns:a16="http://schemas.microsoft.com/office/drawing/2014/main" id="{94A2D514-DDAB-D0B2-5C33-8975106A4849}"/>
-              </a:ext>
-            </a:extLst>
-          </p:cNvPr>
-          <p:cNvCxnSpPr>
-            <a:cxnSpLocks/>
-            <a:stCxn id="6" idx="2"/>
-          </p:cNvCxnSpPr>
-          <p:nvPr/>
-        </p:nvCxnSpPr>
-        <p:spPr>
-          <a:xfrm flipH="1">
-            <a:off x="7389200" y="4397633"/>
-            <a:ext cx="1631099" cy="718064"/>
-          </a:xfrm>
-          <a:prstGeom prst="straightConnector1">
-            <a:avLst/>
-          </a:prstGeom>
-          <a:ln>
-            <a:solidFill>
-              <a:schemeClr val="tx1"/>
-            </a:solidFill>
-            <a:tailEnd type="triangle"/>
-          </a:ln>
-        </p:spPr>
-        <p:style>
-          <a:lnRef idx="1">
-            <a:schemeClr val="accent1"/>
-          </a:lnRef>
-          <a:fillRef idx="0">
-            <a:schemeClr val="accent1"/>
-          </a:fillRef>
-          <a:effectRef idx="0">
-            <a:schemeClr val="accent1"/>
-          </a:effectRef>
-          <a:fontRef idx="minor">
-            <a:schemeClr val="tx1"/>
-          </a:fontRef>
-        </p:style>
-      </p:cxnSp>
-      <p:sp>
-        <p:nvSpPr>
           <p:cNvPr id="51" name="TextBox 50">
             <a:extLst>
               <a:ext uri="{FF2B5EF4-FFF2-40B4-BE49-F238E27FC236}">
@@ -12944,8 +14542,8 @@
         </p:nvSpPr>
         <p:spPr>
           <a:xfrm>
-            <a:off x="6095999" y="5787083"/>
-            <a:ext cx="2483225" cy="369332"/>
+            <a:off x="4729655" y="5545345"/>
+            <a:ext cx="1629104" cy="369332"/>
           </a:xfrm>
           <a:prstGeom prst="rect">
             <a:avLst/>
@@ -12964,7 +14562,7 @@
                   <a:srgbClr val="FF0000"/>
                 </a:solidFill>
               </a:rPr>
-              <a:t>&gt;=     Help Over</a:t>
+              <a:t>Help Over</a:t>
             </a:r>
           </a:p>
         </p:txBody>
@@ -13406,26 +15004,60 @@
         <p:spPr>
           <a:xfrm>
             <a:off x="838200" y="365126"/>
-            <a:ext cx="2672255" cy="854074"/>
-          </a:xfrm>
-        </p:spPr>
-        <p:txBody>
-          <a:bodyPr>
-            <a:normAutofit/>
+            <a:ext cx="2672255" cy="1978024"/>
+          </a:xfrm>
+        </p:spPr>
+        <p:txBody>
+          <a:bodyPr anchor="t">
+            <a:normAutofit fontScale="90000"/>
           </a:bodyPr>
           <a:lstStyle/>
           <a:p>
             <a:r>
-              <a:rPr lang="en-US" sz="1600" dirty="0"/>
+              <a:rPr lang="en-US" sz="2200" dirty="0"/>
               <a:t>Game Help</a:t>
+            </a:r>
+            <a:br>
+              <a:rPr lang="en-US" sz="2200" dirty="0"/>
+            </a:br>
+            <a:r>
+              <a:rPr lang="en-US" sz="2200" dirty="0"/>
+              <a:t>State Transitions</a:t>
+            </a:r>
+            <a:br>
+              <a:rPr lang="en-US" sz="2200" dirty="0"/>
+            </a:br>
+            <a:br>
+              <a:rPr lang="en-US" sz="2200" dirty="0"/>
+            </a:br>
+            <a:r>
+              <a:rPr lang="en-US" sz="2200" dirty="0">
+                <a:solidFill>
+                  <a:schemeClr val="accent6">
+                    <a:lumMod val="75000"/>
+                  </a:schemeClr>
+                </a:solidFill>
+              </a:rPr>
+              <a:t>Green -&gt; Animation</a:t>
+            </a:r>
+            <a:br>
+              <a:rPr lang="en-US" sz="2200" dirty="0"/>
+            </a:br>
+            <a:r>
+              <a:rPr lang="en-US" sz="2200" dirty="0">
+                <a:solidFill>
+                  <a:srgbClr val="FF0000"/>
+                </a:solidFill>
+              </a:rPr>
+              <a:t>Red -&gt; User</a:t>
             </a:r>
             <a:br>
               <a:rPr lang="en-US" sz="1600" dirty="0"/>
             </a:br>
-            <a:r>
+            <a:br>
               <a:rPr lang="en-US" sz="1600" dirty="0"/>
-              <a:t>Problem State Transitions</a:t>
-            </a:r>
+            </a:br>
+            <a:endParaRPr lang="en-US" sz="1600" dirty="0"/>
           </a:p>
         </p:txBody>
       </p:sp>
@@ -13443,8 +15075,49 @@
         </p:nvSpPr>
         <p:spPr>
           <a:xfrm>
-            <a:off x="5354736" y="2441527"/>
-            <a:ext cx="1408671" cy="369332"/>
+            <a:off x="5375757" y="1495596"/>
+            <a:ext cx="2265264" cy="369332"/>
+          </a:xfrm>
+          <a:prstGeom prst="rect">
+            <a:avLst/>
+          </a:prstGeom>
+          <a:noFill/>
+        </p:spPr>
+        <p:txBody>
+          <a:bodyPr wrap="square" rtlCol="0">
+            <a:spAutoFit/>
+          </a:bodyPr>
+          <a:lstStyle/>
+          <a:p>
+            <a:r>
+              <a:rPr lang="en-US" dirty="0">
+                <a:solidFill>
+                  <a:schemeClr val="accent6">
+                    <a:lumMod val="75000"/>
+                  </a:schemeClr>
+                </a:solidFill>
+              </a:rPr>
+              <a:t>Animations start here</a:t>
+            </a:r>
+          </a:p>
+        </p:txBody>
+      </p:sp>
+      <p:sp>
+        <p:nvSpPr>
+          <p:cNvPr id="3" name="TextBox 2">
+            <a:extLst>
+              <a:ext uri="{FF2B5EF4-FFF2-40B4-BE49-F238E27FC236}">
+                <a16:creationId xmlns:a16="http://schemas.microsoft.com/office/drawing/2014/main" id="{E944D1B3-AEF2-B749-7A2C-C0B3E6A36901}"/>
+              </a:ext>
+            </a:extLst>
+          </p:cNvPr>
+          <p:cNvSpPr txBox="1"/>
+          <p:nvPr/>
+        </p:nvSpPr>
+        <p:spPr>
+          <a:xfrm>
+            <a:off x="5969592" y="5652579"/>
+            <a:ext cx="506628" cy="369332"/>
           </a:xfrm>
           <a:prstGeom prst="rect">
             <a:avLst/>
@@ -13463,46 +15136,7 @@
                   <a:srgbClr val="FF0000"/>
                 </a:solidFill>
               </a:rPr>
-              <a:t>Animate 2</a:t>
-            </a:r>
-          </a:p>
-        </p:txBody>
-      </p:sp>
-      <p:sp>
-        <p:nvSpPr>
-          <p:cNvPr id="17" name="TextBox 16">
-            <a:extLst>
-              <a:ext uri="{FF2B5EF4-FFF2-40B4-BE49-F238E27FC236}">
-                <a16:creationId xmlns:a16="http://schemas.microsoft.com/office/drawing/2014/main" id="{7954F956-4887-96DD-C709-160C35D718B3}"/>
-              </a:ext>
-            </a:extLst>
-          </p:cNvPr>
-          <p:cNvSpPr txBox="1"/>
-          <p:nvPr/>
-        </p:nvSpPr>
-        <p:spPr>
-          <a:xfrm>
-            <a:off x="4792432" y="3434752"/>
-            <a:ext cx="1408671" cy="369332"/>
-          </a:xfrm>
-          <a:prstGeom prst="rect">
-            <a:avLst/>
-          </a:prstGeom>
-          <a:noFill/>
-        </p:spPr>
-        <p:txBody>
-          <a:bodyPr wrap="square" rtlCol="0">
-            <a:spAutoFit/>
-          </a:bodyPr>
-          <a:lstStyle/>
-          <a:p>
-            <a:r>
-              <a:rPr lang="en-US" dirty="0">
-                <a:solidFill>
-                  <a:srgbClr val="FF0000"/>
-                </a:solidFill>
-              </a:rPr>
-              <a:t>Animate 3</a:t>
+              <a:t> &gt;=</a:t>
             </a:r>
           </a:p>
         </p:txBody>
